--- a/results/Success Pattern Discovery.pptx
+++ b/results/Success Pattern Discovery.pptx
@@ -4,8 +4,19 @@
   <p:sldMasterIdLst>
     <p:sldMasterId id="2147483648" r:id="rId1"/>
   </p:sldMasterIdLst>
+  <p:notesMasterIdLst>
+    <p:notesMasterId r:id="rId11"/>
+  </p:notesMasterIdLst>
   <p:sldIdLst>
     <p:sldId id="256" r:id="rId2"/>
+    <p:sldId id="257" r:id="rId3"/>
+    <p:sldId id="258" r:id="rId4"/>
+    <p:sldId id="259" r:id="rId5"/>
+    <p:sldId id="260" r:id="rId6"/>
+    <p:sldId id="261" r:id="rId7"/>
+    <p:sldId id="262" r:id="rId8"/>
+    <p:sldId id="263" r:id="rId9"/>
+    <p:sldId id="264" r:id="rId10"/>
   </p:sldIdLst>
   <p:sldSz cx="12192000" cy="6858000"/>
   <p:notesSz cx="6858000" cy="9144000"/>
@@ -107,6 +118,355 @@
 </p:presentation>
 </file>
 
+<file path=ppt/notesMasters/notesMaster1.xml><?xml version="1.0" encoding="utf-8"?>
+<p:notesMaster xmlns:a="http://schemas.openxmlformats.org/drawingml/2006/main" xmlns:r="http://schemas.openxmlformats.org/officeDocument/2006/relationships" xmlns:p="http://schemas.openxmlformats.org/presentationml/2006/main">
+  <p:cSld>
+    <p:bg>
+      <p:bgRef idx="1001">
+        <a:schemeClr val="bg1"/>
+      </p:bgRef>
+    </p:bg>
+    <p:spTree>
+      <p:nvGrpSpPr>
+        <p:cNvPr id="1" name=""/>
+        <p:cNvGrpSpPr/>
+        <p:nvPr/>
+      </p:nvGrpSpPr>
+      <p:grpSpPr>
+        <a:xfrm>
+          <a:off x="0" y="0"/>
+          <a:ext cx="0" cy="0"/>
+          <a:chOff x="0" y="0"/>
+          <a:chExt cx="0" cy="0"/>
+        </a:xfrm>
+      </p:grpSpPr>
+      <p:sp>
+        <p:nvSpPr>
+          <p:cNvPr id="2" name="Header Placeholder 1"/>
+          <p:cNvSpPr>
+            <a:spLocks noGrp="1"/>
+          </p:cNvSpPr>
+          <p:nvPr>
+            <p:ph type="hdr" sz="quarter"/>
+          </p:nvPr>
+        </p:nvSpPr>
+        <p:spPr>
+          <a:xfrm>
+            <a:off x="0" y="0"/>
+            <a:ext cx="2971800" cy="458788"/>
+          </a:xfrm>
+          <a:prstGeom prst="rect">
+            <a:avLst/>
+          </a:prstGeom>
+        </p:spPr>
+        <p:txBody>
+          <a:bodyPr vert="horz" lIns="91440" tIns="45720" rIns="91440" bIns="45720" rtlCol="0"/>
+          <a:lstStyle>
+            <a:lvl1pPr algn="l">
+              <a:defRPr sz="1200"/>
+            </a:lvl1pPr>
+          </a:lstStyle>
+          <a:p>
+            <a:endParaRPr lang="en-US"/>
+          </a:p>
+        </p:txBody>
+      </p:sp>
+      <p:sp>
+        <p:nvSpPr>
+          <p:cNvPr id="3" name="Date Placeholder 2"/>
+          <p:cNvSpPr>
+            <a:spLocks noGrp="1"/>
+          </p:cNvSpPr>
+          <p:nvPr>
+            <p:ph type="dt" idx="1"/>
+          </p:nvPr>
+        </p:nvSpPr>
+        <p:spPr>
+          <a:xfrm>
+            <a:off x="3884613" y="0"/>
+            <a:ext cx="2971800" cy="458788"/>
+          </a:xfrm>
+          <a:prstGeom prst="rect">
+            <a:avLst/>
+          </a:prstGeom>
+        </p:spPr>
+        <p:txBody>
+          <a:bodyPr vert="horz" lIns="91440" tIns="45720" rIns="91440" bIns="45720" rtlCol="0"/>
+          <a:lstStyle>
+            <a:lvl1pPr algn="r">
+              <a:defRPr sz="1200"/>
+            </a:lvl1pPr>
+          </a:lstStyle>
+          <a:p>
+            <a:fld id="{E06CF510-6F17-4303-AFE3-F0CCB672000A}" type="datetimeFigureOut">
+              <a:rPr lang="en-US" smtClean="0"/>
+              <a:t>10/30/2025</a:t>
+            </a:fld>
+            <a:endParaRPr lang="en-US"/>
+          </a:p>
+        </p:txBody>
+      </p:sp>
+      <p:sp>
+        <p:nvSpPr>
+          <p:cNvPr id="4" name="Slide Image Placeholder 3"/>
+          <p:cNvSpPr>
+            <a:spLocks noGrp="1" noRot="1" noChangeAspect="1"/>
+          </p:cNvSpPr>
+          <p:nvPr>
+            <p:ph type="sldImg" idx="2"/>
+          </p:nvPr>
+        </p:nvSpPr>
+        <p:spPr>
+          <a:xfrm>
+            <a:off x="685800" y="1143000"/>
+            <a:ext cx="5486400" cy="3086100"/>
+          </a:xfrm>
+          <a:prstGeom prst="rect">
+            <a:avLst/>
+          </a:prstGeom>
+          <a:noFill/>
+          <a:ln w="12700">
+            <a:solidFill>
+              <a:prstClr val="black"/>
+            </a:solidFill>
+          </a:ln>
+        </p:spPr>
+        <p:txBody>
+          <a:bodyPr vert="horz" lIns="91440" tIns="45720" rIns="91440" bIns="45720" rtlCol="0" anchor="ctr"/>
+          <a:lstStyle/>
+          <a:p>
+            <a:endParaRPr lang="en-US"/>
+          </a:p>
+        </p:txBody>
+      </p:sp>
+      <p:sp>
+        <p:nvSpPr>
+          <p:cNvPr id="5" name="Notes Placeholder 4"/>
+          <p:cNvSpPr>
+            <a:spLocks noGrp="1"/>
+          </p:cNvSpPr>
+          <p:nvPr>
+            <p:ph type="body" sz="quarter" idx="3"/>
+          </p:nvPr>
+        </p:nvSpPr>
+        <p:spPr>
+          <a:xfrm>
+            <a:off x="685800" y="4400550"/>
+            <a:ext cx="5486400" cy="3600450"/>
+          </a:xfrm>
+          <a:prstGeom prst="rect">
+            <a:avLst/>
+          </a:prstGeom>
+        </p:spPr>
+        <p:txBody>
+          <a:bodyPr vert="horz" lIns="91440" tIns="45720" rIns="91440" bIns="45720" rtlCol="0"/>
+          <a:lstStyle/>
+          <a:p>
+            <a:pPr lvl="0"/>
+            <a:r>
+              <a:rPr lang="en-US"/>
+              <a:t>Click to edit Master text styles</a:t>
+            </a:r>
+          </a:p>
+          <a:p>
+            <a:pPr lvl="1"/>
+            <a:r>
+              <a:rPr lang="en-US"/>
+              <a:t>Second level</a:t>
+            </a:r>
+          </a:p>
+          <a:p>
+            <a:pPr lvl="2"/>
+            <a:r>
+              <a:rPr lang="en-US"/>
+              <a:t>Third level</a:t>
+            </a:r>
+          </a:p>
+          <a:p>
+            <a:pPr lvl="3"/>
+            <a:r>
+              <a:rPr lang="en-US"/>
+              <a:t>Fourth level</a:t>
+            </a:r>
+          </a:p>
+          <a:p>
+            <a:pPr lvl="4"/>
+            <a:r>
+              <a:rPr lang="en-US"/>
+              <a:t>Fifth level</a:t>
+            </a:r>
+          </a:p>
+        </p:txBody>
+      </p:sp>
+      <p:sp>
+        <p:nvSpPr>
+          <p:cNvPr id="6" name="Footer Placeholder 5"/>
+          <p:cNvSpPr>
+            <a:spLocks noGrp="1"/>
+          </p:cNvSpPr>
+          <p:nvPr>
+            <p:ph type="ftr" sz="quarter" idx="4"/>
+          </p:nvPr>
+        </p:nvSpPr>
+        <p:spPr>
+          <a:xfrm>
+            <a:off x="0" y="8685213"/>
+            <a:ext cx="2971800" cy="458787"/>
+          </a:xfrm>
+          <a:prstGeom prst="rect">
+            <a:avLst/>
+          </a:prstGeom>
+        </p:spPr>
+        <p:txBody>
+          <a:bodyPr vert="horz" lIns="91440" tIns="45720" rIns="91440" bIns="45720" rtlCol="0" anchor="b"/>
+          <a:lstStyle>
+            <a:lvl1pPr algn="l">
+              <a:defRPr sz="1200"/>
+            </a:lvl1pPr>
+          </a:lstStyle>
+          <a:p>
+            <a:endParaRPr lang="en-US"/>
+          </a:p>
+        </p:txBody>
+      </p:sp>
+      <p:sp>
+        <p:nvSpPr>
+          <p:cNvPr id="7" name="Slide Number Placeholder 6"/>
+          <p:cNvSpPr>
+            <a:spLocks noGrp="1"/>
+          </p:cNvSpPr>
+          <p:nvPr>
+            <p:ph type="sldNum" sz="quarter" idx="5"/>
+          </p:nvPr>
+        </p:nvSpPr>
+        <p:spPr>
+          <a:xfrm>
+            <a:off x="3884613" y="8685213"/>
+            <a:ext cx="2971800" cy="458787"/>
+          </a:xfrm>
+          <a:prstGeom prst="rect">
+            <a:avLst/>
+          </a:prstGeom>
+        </p:spPr>
+        <p:txBody>
+          <a:bodyPr vert="horz" lIns="91440" tIns="45720" rIns="91440" bIns="45720" rtlCol="0" anchor="b"/>
+          <a:lstStyle>
+            <a:lvl1pPr algn="r">
+              <a:defRPr sz="1200"/>
+            </a:lvl1pPr>
+          </a:lstStyle>
+          <a:p>
+            <a:fld id="{87C83C5C-FD15-4E27-ACDB-DEFD026D6C36}" type="slidenum">
+              <a:rPr lang="en-US" smtClean="0"/>
+              <a:t>‹#›</a:t>
+            </a:fld>
+            <a:endParaRPr lang="en-US"/>
+          </a:p>
+        </p:txBody>
+      </p:sp>
+    </p:spTree>
+    <p:extLst>
+      <p:ext uri="{BB962C8B-B14F-4D97-AF65-F5344CB8AC3E}">
+        <p14:creationId xmlns:p14="http://schemas.microsoft.com/office/powerpoint/2010/main" val="3736547858"/>
+      </p:ext>
+    </p:extLst>
+  </p:cSld>
+  <p:clrMap bg1="lt1" tx1="dk1" bg2="lt2" tx2="dk2" accent1="accent1" accent2="accent2" accent3="accent3" accent4="accent4" accent5="accent5" accent6="accent6" hlink="hlink" folHlink="folHlink"/>
+  <p:notesStyle>
+    <a:lvl1pPr marL="0" algn="l" defTabSz="914400" rtl="0" eaLnBrk="1" latinLnBrk="0" hangingPunct="1">
+      <a:defRPr sz="1200" kern="1200">
+        <a:solidFill>
+          <a:schemeClr val="tx1"/>
+        </a:solidFill>
+        <a:latin typeface="+mn-lt"/>
+        <a:ea typeface="+mn-ea"/>
+        <a:cs typeface="+mn-cs"/>
+      </a:defRPr>
+    </a:lvl1pPr>
+    <a:lvl2pPr marL="457200" algn="l" defTabSz="914400" rtl="0" eaLnBrk="1" latinLnBrk="0" hangingPunct="1">
+      <a:defRPr sz="1200" kern="1200">
+        <a:solidFill>
+          <a:schemeClr val="tx1"/>
+        </a:solidFill>
+        <a:latin typeface="+mn-lt"/>
+        <a:ea typeface="+mn-ea"/>
+        <a:cs typeface="+mn-cs"/>
+      </a:defRPr>
+    </a:lvl2pPr>
+    <a:lvl3pPr marL="914400" algn="l" defTabSz="914400" rtl="0" eaLnBrk="1" latinLnBrk="0" hangingPunct="1">
+      <a:defRPr sz="1200" kern="1200">
+        <a:solidFill>
+          <a:schemeClr val="tx1"/>
+        </a:solidFill>
+        <a:latin typeface="+mn-lt"/>
+        <a:ea typeface="+mn-ea"/>
+        <a:cs typeface="+mn-cs"/>
+      </a:defRPr>
+    </a:lvl3pPr>
+    <a:lvl4pPr marL="1371600" algn="l" defTabSz="914400" rtl="0" eaLnBrk="1" latinLnBrk="0" hangingPunct="1">
+      <a:defRPr sz="1200" kern="1200">
+        <a:solidFill>
+          <a:schemeClr val="tx1"/>
+        </a:solidFill>
+        <a:latin typeface="+mn-lt"/>
+        <a:ea typeface="+mn-ea"/>
+        <a:cs typeface="+mn-cs"/>
+      </a:defRPr>
+    </a:lvl4pPr>
+    <a:lvl5pPr marL="1828800" algn="l" defTabSz="914400" rtl="0" eaLnBrk="1" latinLnBrk="0" hangingPunct="1">
+      <a:defRPr sz="1200" kern="1200">
+        <a:solidFill>
+          <a:schemeClr val="tx1"/>
+        </a:solidFill>
+        <a:latin typeface="+mn-lt"/>
+        <a:ea typeface="+mn-ea"/>
+        <a:cs typeface="+mn-cs"/>
+      </a:defRPr>
+    </a:lvl5pPr>
+    <a:lvl6pPr marL="2286000" algn="l" defTabSz="914400" rtl="0" eaLnBrk="1" latinLnBrk="0" hangingPunct="1">
+      <a:defRPr sz="1200" kern="1200">
+        <a:solidFill>
+          <a:schemeClr val="tx1"/>
+        </a:solidFill>
+        <a:latin typeface="+mn-lt"/>
+        <a:ea typeface="+mn-ea"/>
+        <a:cs typeface="+mn-cs"/>
+      </a:defRPr>
+    </a:lvl6pPr>
+    <a:lvl7pPr marL="2743200" algn="l" defTabSz="914400" rtl="0" eaLnBrk="1" latinLnBrk="0" hangingPunct="1">
+      <a:defRPr sz="1200" kern="1200">
+        <a:solidFill>
+          <a:schemeClr val="tx1"/>
+        </a:solidFill>
+        <a:latin typeface="+mn-lt"/>
+        <a:ea typeface="+mn-ea"/>
+        <a:cs typeface="+mn-cs"/>
+      </a:defRPr>
+    </a:lvl7pPr>
+    <a:lvl8pPr marL="3200400" algn="l" defTabSz="914400" rtl="0" eaLnBrk="1" latinLnBrk="0" hangingPunct="1">
+      <a:defRPr sz="1200" kern="1200">
+        <a:solidFill>
+          <a:schemeClr val="tx1"/>
+        </a:solidFill>
+        <a:latin typeface="+mn-lt"/>
+        <a:ea typeface="+mn-ea"/>
+        <a:cs typeface="+mn-cs"/>
+      </a:defRPr>
+    </a:lvl8pPr>
+    <a:lvl9pPr marL="3657600" algn="l" defTabSz="914400" rtl="0" eaLnBrk="1" latinLnBrk="0" hangingPunct="1">
+      <a:defRPr sz="1200" kern="1200">
+        <a:solidFill>
+          <a:schemeClr val="tx1"/>
+        </a:solidFill>
+        <a:latin typeface="+mn-lt"/>
+        <a:ea typeface="+mn-ea"/>
+        <a:cs typeface="+mn-cs"/>
+      </a:defRPr>
+    </a:lvl9pPr>
+  </p:notesStyle>
+</p:notesMaster>
+</file>
+
 <file path=ppt/slideLayouts/slideLayout1.xml><?xml version="1.0" encoding="utf-8"?>
 <p:sldLayout xmlns:a="http://schemas.openxmlformats.org/drawingml/2006/main" xmlns:r="http://schemas.openxmlformats.org/officeDocument/2006/relationships" xmlns:p="http://schemas.openxmlformats.org/presentationml/2006/main" type="title" preserve="1">
   <p:cSld name="Title Slide">
@@ -252,7 +612,7 @@
           <a:bodyPr/>
           <a:lstStyle/>
           <a:p>
-            <a:fld id="{20D5465D-E160-4BDC-A725-475067EF2B70}" type="datetimeFigureOut">
+            <a:fld id="{C01CA3FE-5E26-47E7-A7D9-FCC16283D841}" type="datetime1">
               <a:rPr lang="en-US" smtClean="0"/>
               <a:t>10/30/2025</a:t>
             </a:fld>
@@ -450,7 +810,7 @@
           <a:bodyPr/>
           <a:lstStyle/>
           <a:p>
-            <a:fld id="{20D5465D-E160-4BDC-A725-475067EF2B70}" type="datetimeFigureOut">
+            <a:fld id="{B21E3BE9-ACA4-4472-91DC-C90DB784C35C}" type="datetime1">
               <a:rPr lang="en-US" smtClean="0"/>
               <a:t>10/30/2025</a:t>
             </a:fld>
@@ -658,7 +1018,7 @@
           <a:bodyPr/>
           <a:lstStyle/>
           <a:p>
-            <a:fld id="{20D5465D-E160-4BDC-A725-475067EF2B70}" type="datetimeFigureOut">
+            <a:fld id="{2B71C733-D1AE-4BBB-9B86-129CD1401A53}" type="datetime1">
               <a:rPr lang="en-US" smtClean="0"/>
               <a:t>10/30/2025</a:t>
             </a:fld>
@@ -856,7 +1216,7 @@
           <a:bodyPr/>
           <a:lstStyle/>
           <a:p>
-            <a:fld id="{20D5465D-E160-4BDC-A725-475067EF2B70}" type="datetimeFigureOut">
+            <a:fld id="{8F9CF551-196E-461A-9A70-52D592988045}" type="datetime1">
               <a:rPr lang="en-US" smtClean="0"/>
               <a:t>10/30/2025</a:t>
             </a:fld>
@@ -1131,7 +1491,7 @@
           <a:bodyPr/>
           <a:lstStyle/>
           <a:p>
-            <a:fld id="{20D5465D-E160-4BDC-A725-475067EF2B70}" type="datetimeFigureOut">
+            <a:fld id="{0F396A8E-5E45-4AEC-93EC-76F0FBB678B1}" type="datetime1">
               <a:rPr lang="en-US" smtClean="0"/>
               <a:t>10/30/2025</a:t>
             </a:fld>
@@ -1396,7 +1756,7 @@
           <a:bodyPr/>
           <a:lstStyle/>
           <a:p>
-            <a:fld id="{20D5465D-E160-4BDC-A725-475067EF2B70}" type="datetimeFigureOut">
+            <a:fld id="{02F0E7F6-34AD-4413-BC03-A8A854B235B7}" type="datetime1">
               <a:rPr lang="en-US" smtClean="0"/>
               <a:t>10/30/2025</a:t>
             </a:fld>
@@ -1808,7 +2168,7 @@
           <a:bodyPr/>
           <a:lstStyle/>
           <a:p>
-            <a:fld id="{20D5465D-E160-4BDC-A725-475067EF2B70}" type="datetimeFigureOut">
+            <a:fld id="{5CF317C0-6454-422A-ABC2-2E27B6C5E88D}" type="datetime1">
               <a:rPr lang="en-US" smtClean="0"/>
               <a:t>10/30/2025</a:t>
             </a:fld>
@@ -1949,7 +2309,7 @@
           <a:bodyPr/>
           <a:lstStyle/>
           <a:p>
-            <a:fld id="{20D5465D-E160-4BDC-A725-475067EF2B70}" type="datetimeFigureOut">
+            <a:fld id="{FDC26153-867D-48D1-804D-DCD950EBAD30}" type="datetime1">
               <a:rPr lang="en-US" smtClean="0"/>
               <a:t>10/30/2025</a:t>
             </a:fld>
@@ -2062,7 +2422,7 @@
           <a:bodyPr/>
           <a:lstStyle/>
           <a:p>
-            <a:fld id="{20D5465D-E160-4BDC-A725-475067EF2B70}" type="datetimeFigureOut">
+            <a:fld id="{30E74A35-A1BD-428D-B9B9-370E70023309}" type="datetime1">
               <a:rPr lang="en-US" smtClean="0"/>
               <a:t>10/30/2025</a:t>
             </a:fld>
@@ -2373,7 +2733,7 @@
           <a:bodyPr/>
           <a:lstStyle/>
           <a:p>
-            <a:fld id="{20D5465D-E160-4BDC-A725-475067EF2B70}" type="datetimeFigureOut">
+            <a:fld id="{EEF63EFB-2C2B-40D3-91F9-8DF99663FD1B}" type="datetime1">
               <a:rPr lang="en-US" smtClean="0"/>
               <a:t>10/30/2025</a:t>
             </a:fld>
@@ -2661,7 +3021,7 @@
           <a:bodyPr/>
           <a:lstStyle/>
           <a:p>
-            <a:fld id="{20D5465D-E160-4BDC-A725-475067EF2B70}" type="datetimeFigureOut">
+            <a:fld id="{725A4E13-DECB-42F6-8123-6B9EF3F3D91A}" type="datetime1">
               <a:rPr lang="en-US" smtClean="0"/>
               <a:t>10/30/2025</a:t>
             </a:fld>
@@ -2902,7 +3262,7 @@
             </a:lvl1pPr>
           </a:lstStyle>
           <a:p>
-            <a:fld id="{20D5465D-E160-4BDC-A725-475067EF2B70}" type="datetimeFigureOut">
+            <a:fld id="{5D0C224A-47F3-485C-A55D-414800AB4A8E}" type="datetime1">
               <a:rPr lang="en-US" smtClean="0"/>
               <a:t>10/30/2025</a:t>
             </a:fld>
@@ -3021,6 +3381,7 @@
     <p:sldLayoutId id="2147483658" r:id="rId10"/>
     <p:sldLayoutId id="2147483659" r:id="rId11"/>
   </p:sldLayoutIdLst>
+  <p:hf hdr="0" ftr="0" dt="0"/>
   <p:txStyles>
     <p:titleStyle>
       <a:lvl1pPr algn="l" defTabSz="914400" rtl="0" eaLnBrk="1" latinLnBrk="0" hangingPunct="1">
@@ -3337,36 +3698,83 @@
             <p:ph type="ctrTitle"/>
           </p:nvPr>
         </p:nvSpPr>
+        <p:spPr>
+          <a:xfrm>
+            <a:off x="1524000" y="1122363"/>
+            <a:ext cx="9144000" cy="1655762"/>
+          </a:xfrm>
+        </p:spPr>
+        <p:txBody>
+          <a:bodyPr>
+            <a:normAutofit/>
+          </a:bodyPr>
+          <a:lstStyle/>
+          <a:p>
+            <a:r>
+              <a:rPr lang="en-US" sz="3600" dirty="0"/>
+              <a:t>Success Pattern Discovery &amp; Strategic Insights</a:t>
+            </a:r>
+          </a:p>
+        </p:txBody>
+      </p:sp>
+      <p:sp>
+        <p:nvSpPr>
+          <p:cNvPr id="3" name="Subtitle 2">
+            <a:extLst>
+              <a:ext uri="{FF2B5EF4-FFF2-40B4-BE49-F238E27FC236}">
+                <a16:creationId xmlns:a16="http://schemas.microsoft.com/office/drawing/2014/main" id="{F2BD2DC5-5CDB-6BF4-8369-A02E879F1D93}"/>
+              </a:ext>
+            </a:extLst>
+          </p:cNvPr>
+          <p:cNvSpPr>
+            <a:spLocks noGrp="1"/>
+          </p:cNvSpPr>
+          <p:nvPr>
+            <p:ph type="subTitle" idx="1"/>
+          </p:nvPr>
+        </p:nvSpPr>
+        <p:spPr>
+          <a:xfrm>
+            <a:off x="1524000" y="3602038"/>
+            <a:ext cx="9144000" cy="1314736"/>
+          </a:xfrm>
+        </p:spPr>
+        <p:txBody>
+          <a:bodyPr/>
+          <a:lstStyle/>
+          <a:p>
+            <a:r>
+              <a:rPr lang="en-US" dirty="0"/>
+              <a:t>Presented by Tri Umiati</a:t>
+            </a:r>
+          </a:p>
+        </p:txBody>
+      </p:sp>
+      <p:sp>
+        <p:nvSpPr>
+          <p:cNvPr id="4" name="Slide Number Placeholder 3">
+            <a:extLst>
+              <a:ext uri="{FF2B5EF4-FFF2-40B4-BE49-F238E27FC236}">
+                <a16:creationId xmlns:a16="http://schemas.microsoft.com/office/drawing/2014/main" id="{36686D6F-FEEA-E0E0-E67B-121C11290D8E}"/>
+              </a:ext>
+            </a:extLst>
+          </p:cNvPr>
+          <p:cNvSpPr>
+            <a:spLocks noGrp="1"/>
+          </p:cNvSpPr>
+          <p:nvPr>
+            <p:ph type="sldNum" sz="quarter" idx="12"/>
+          </p:nvPr>
+        </p:nvSpPr>
         <p:spPr/>
         <p:txBody>
           <a:bodyPr/>
           <a:lstStyle/>
           <a:p>
-            <a:endParaRPr lang="en-US"/>
-          </a:p>
-        </p:txBody>
-      </p:sp>
-      <p:sp>
-        <p:nvSpPr>
-          <p:cNvPr id="3" name="Subtitle 2">
-            <a:extLst>
-              <a:ext uri="{FF2B5EF4-FFF2-40B4-BE49-F238E27FC236}">
-                <a16:creationId xmlns:a16="http://schemas.microsoft.com/office/drawing/2014/main" id="{F2BD2DC5-5CDB-6BF4-8369-A02E879F1D93}"/>
-              </a:ext>
-            </a:extLst>
-          </p:cNvPr>
-          <p:cNvSpPr>
-            <a:spLocks noGrp="1"/>
-          </p:cNvSpPr>
-          <p:nvPr>
-            <p:ph type="subTitle" idx="1"/>
-          </p:nvPr>
-        </p:nvSpPr>
-        <p:spPr/>
-        <p:txBody>
-          <a:bodyPr/>
-          <a:lstStyle/>
-          <a:p>
+            <a:fld id="{E22489EA-33AC-4388-9B0E-25F5048F95CD}" type="slidenum">
+              <a:rPr lang="en-US" smtClean="0"/>
+              <a:t>1</a:t>
+            </a:fld>
             <a:endParaRPr lang="en-US"/>
           </a:p>
         </p:txBody>
@@ -3375,6 +3783,1837 @@
     <p:extLst>
       <p:ext uri="{BB962C8B-B14F-4D97-AF65-F5344CB8AC3E}">
         <p14:creationId xmlns:p14="http://schemas.microsoft.com/office/powerpoint/2010/main" val="4180845427"/>
+      </p:ext>
+    </p:extLst>
+  </p:cSld>
+  <p:clrMapOvr>
+    <a:masterClrMapping/>
+  </p:clrMapOvr>
+</p:sld>
+</file>
+
+<file path=ppt/slides/slide2.xml><?xml version="1.0" encoding="utf-8"?>
+<p:sld xmlns:a="http://schemas.openxmlformats.org/drawingml/2006/main" xmlns:r="http://schemas.openxmlformats.org/officeDocument/2006/relationships" xmlns:p="http://schemas.openxmlformats.org/presentationml/2006/main">
+  <p:cSld>
+    <p:spTree>
+      <p:nvGrpSpPr>
+        <p:cNvPr id="1" name=""/>
+        <p:cNvGrpSpPr/>
+        <p:nvPr/>
+      </p:nvGrpSpPr>
+      <p:grpSpPr>
+        <a:xfrm>
+          <a:off x="0" y="0"/>
+          <a:ext cx="0" cy="0"/>
+          <a:chOff x="0" y="0"/>
+          <a:chExt cx="0" cy="0"/>
+        </a:xfrm>
+      </p:grpSpPr>
+      <p:sp>
+        <p:nvSpPr>
+          <p:cNvPr id="2" name="Title 1">
+            <a:extLst>
+              <a:ext uri="{FF2B5EF4-FFF2-40B4-BE49-F238E27FC236}">
+                <a16:creationId xmlns:a16="http://schemas.microsoft.com/office/drawing/2014/main" id="{A6134EEC-AFE8-73DB-C21C-002897403CA3}"/>
+              </a:ext>
+            </a:extLst>
+          </p:cNvPr>
+          <p:cNvSpPr>
+            <a:spLocks noGrp="1"/>
+          </p:cNvSpPr>
+          <p:nvPr>
+            <p:ph type="title"/>
+          </p:nvPr>
+        </p:nvSpPr>
+        <p:spPr/>
+        <p:txBody>
+          <a:bodyPr/>
+          <a:lstStyle/>
+          <a:p>
+            <a:r>
+              <a:rPr lang="en-US" dirty="0"/>
+              <a:t>Project Objective</a:t>
+            </a:r>
+          </a:p>
+        </p:txBody>
+      </p:sp>
+      <p:sp>
+        <p:nvSpPr>
+          <p:cNvPr id="3" name="Content Placeholder 2">
+            <a:extLst>
+              <a:ext uri="{FF2B5EF4-FFF2-40B4-BE49-F238E27FC236}">
+                <a16:creationId xmlns:a16="http://schemas.microsoft.com/office/drawing/2014/main" id="{187678D0-6F41-9565-DFCC-A289294D2E62}"/>
+              </a:ext>
+            </a:extLst>
+          </p:cNvPr>
+          <p:cNvSpPr>
+            <a:spLocks noGrp="1"/>
+          </p:cNvSpPr>
+          <p:nvPr>
+            <p:ph idx="1"/>
+          </p:nvPr>
+        </p:nvSpPr>
+        <p:spPr/>
+        <p:txBody>
+          <a:bodyPr>
+            <a:normAutofit/>
+          </a:bodyPr>
+          <a:lstStyle/>
+          <a:p>
+            <a:r>
+              <a:rPr lang="en-US" sz="2000" dirty="0"/>
+              <a:t>Identify what drives Rating 5 (R5) performance</a:t>
+            </a:r>
+          </a:p>
+          <a:p>
+            <a:r>
+              <a:rPr lang="en-US" sz="2000" dirty="0"/>
+              <a:t>Benchmark other employees against these success patterns</a:t>
+            </a:r>
+          </a:p>
+          <a:p>
+            <a:r>
+              <a:rPr lang="en-US" sz="2000" dirty="0"/>
+              <a:t>Support data-driven talent decisions</a:t>
+            </a:r>
+          </a:p>
+        </p:txBody>
+      </p:sp>
+      <p:sp>
+        <p:nvSpPr>
+          <p:cNvPr id="5" name="Slide Number Placeholder 4">
+            <a:extLst>
+              <a:ext uri="{FF2B5EF4-FFF2-40B4-BE49-F238E27FC236}">
+                <a16:creationId xmlns:a16="http://schemas.microsoft.com/office/drawing/2014/main" id="{B33C3D1C-3943-FAB2-B9B7-7ACF123795B2}"/>
+              </a:ext>
+            </a:extLst>
+          </p:cNvPr>
+          <p:cNvSpPr>
+            <a:spLocks noGrp="1"/>
+          </p:cNvSpPr>
+          <p:nvPr>
+            <p:ph type="sldNum" sz="quarter" idx="12"/>
+          </p:nvPr>
+        </p:nvSpPr>
+        <p:spPr/>
+        <p:txBody>
+          <a:bodyPr/>
+          <a:lstStyle/>
+          <a:p>
+            <a:fld id="{E22489EA-33AC-4388-9B0E-25F5048F95CD}" type="slidenum">
+              <a:rPr lang="en-US" smtClean="0"/>
+              <a:t>2</a:t>
+            </a:fld>
+            <a:endParaRPr lang="en-US"/>
+          </a:p>
+        </p:txBody>
+      </p:sp>
+    </p:spTree>
+    <p:extLst>
+      <p:ext uri="{BB962C8B-B14F-4D97-AF65-F5344CB8AC3E}">
+        <p14:creationId xmlns:p14="http://schemas.microsoft.com/office/powerpoint/2010/main" val="4148548066"/>
+      </p:ext>
+    </p:extLst>
+  </p:cSld>
+  <p:clrMapOvr>
+    <a:masterClrMapping/>
+  </p:clrMapOvr>
+</p:sld>
+</file>
+
+<file path=ppt/slides/slide3.xml><?xml version="1.0" encoding="utf-8"?>
+<p:sld xmlns:a="http://schemas.openxmlformats.org/drawingml/2006/main" xmlns:r="http://schemas.openxmlformats.org/officeDocument/2006/relationships" xmlns:p="http://schemas.openxmlformats.org/presentationml/2006/main">
+  <p:cSld>
+    <p:spTree>
+      <p:nvGrpSpPr>
+        <p:cNvPr id="1" name=""/>
+        <p:cNvGrpSpPr/>
+        <p:nvPr/>
+      </p:nvGrpSpPr>
+      <p:grpSpPr>
+        <a:xfrm>
+          <a:off x="0" y="0"/>
+          <a:ext cx="0" cy="0"/>
+          <a:chOff x="0" y="0"/>
+          <a:chExt cx="0" cy="0"/>
+        </a:xfrm>
+      </p:grpSpPr>
+      <p:sp>
+        <p:nvSpPr>
+          <p:cNvPr id="2" name="Title 1">
+            <a:extLst>
+              <a:ext uri="{FF2B5EF4-FFF2-40B4-BE49-F238E27FC236}">
+                <a16:creationId xmlns:a16="http://schemas.microsoft.com/office/drawing/2014/main" id="{26C1C04C-A129-4A0E-FE29-59D02B52D91C}"/>
+              </a:ext>
+            </a:extLst>
+          </p:cNvPr>
+          <p:cNvSpPr>
+            <a:spLocks noGrp="1"/>
+          </p:cNvSpPr>
+          <p:nvPr>
+            <p:ph type="title"/>
+          </p:nvPr>
+        </p:nvSpPr>
+        <p:spPr/>
+        <p:txBody>
+          <a:bodyPr/>
+          <a:lstStyle/>
+          <a:p>
+            <a:r>
+              <a:rPr lang="en-US" dirty="0"/>
+              <a:t>Analysis Framework</a:t>
+            </a:r>
+          </a:p>
+        </p:txBody>
+      </p:sp>
+      <p:sp>
+        <p:nvSpPr>
+          <p:cNvPr id="3" name="Content Placeholder 2">
+            <a:extLst>
+              <a:ext uri="{FF2B5EF4-FFF2-40B4-BE49-F238E27FC236}">
+                <a16:creationId xmlns:a16="http://schemas.microsoft.com/office/drawing/2014/main" id="{53E4CDCA-7F5A-0DB4-462B-6C6BE72235A4}"/>
+              </a:ext>
+            </a:extLst>
+          </p:cNvPr>
+          <p:cNvSpPr>
+            <a:spLocks noGrp="1"/>
+          </p:cNvSpPr>
+          <p:nvPr>
+            <p:ph idx="1"/>
+          </p:nvPr>
+        </p:nvSpPr>
+        <p:spPr/>
+        <p:txBody>
+          <a:bodyPr>
+            <a:normAutofit/>
+          </a:bodyPr>
+          <a:lstStyle/>
+          <a:p>
+            <a:pPr marL="0" indent="0">
+              <a:buNone/>
+            </a:pPr>
+            <a:r>
+              <a:rPr lang="en-US" sz="2000" b="1" dirty="0"/>
+              <a:t>Four Dimensions Analyzed:</a:t>
+            </a:r>
+            <a:endParaRPr lang="en-US" sz="2000" dirty="0"/>
+          </a:p>
+          <a:p>
+            <a:r>
+              <a:rPr lang="en-US" sz="2000" dirty="0"/>
+              <a:t>Competency</a:t>
+            </a:r>
+          </a:p>
+          <a:p>
+            <a:r>
+              <a:rPr lang="en-US" sz="2000" dirty="0"/>
+              <a:t>Psychometric</a:t>
+            </a:r>
+          </a:p>
+          <a:p>
+            <a:r>
+              <a:rPr lang="en-US" sz="2000" dirty="0"/>
+              <a:t>Behavioral</a:t>
+            </a:r>
+          </a:p>
+          <a:p>
+            <a:r>
+              <a:rPr lang="en-US" sz="2000" dirty="0"/>
+              <a:t>Contextual Factors</a:t>
+            </a:r>
+          </a:p>
+          <a:p>
+            <a:pPr marL="0" indent="0">
+              <a:buNone/>
+            </a:pPr>
+            <a:endParaRPr lang="en-US" sz="2000" dirty="0"/>
+          </a:p>
+          <a:p>
+            <a:pPr marL="0" indent="0">
+              <a:buNone/>
+            </a:pPr>
+            <a:r>
+              <a:rPr lang="en-US" sz="2000" dirty="0"/>
+              <a:t>Each tested independently, then integrated into a unified success formula.</a:t>
+            </a:r>
+          </a:p>
+          <a:p>
+            <a:endParaRPr lang="en-US" sz="2400" dirty="0"/>
+          </a:p>
+        </p:txBody>
+      </p:sp>
+      <p:sp>
+        <p:nvSpPr>
+          <p:cNvPr id="4" name="Slide Number Placeholder 3">
+            <a:extLst>
+              <a:ext uri="{FF2B5EF4-FFF2-40B4-BE49-F238E27FC236}">
+                <a16:creationId xmlns:a16="http://schemas.microsoft.com/office/drawing/2014/main" id="{7B4F639E-0E29-6E10-5EB7-9BD9AAA687CC}"/>
+              </a:ext>
+            </a:extLst>
+          </p:cNvPr>
+          <p:cNvSpPr>
+            <a:spLocks noGrp="1"/>
+          </p:cNvSpPr>
+          <p:nvPr>
+            <p:ph type="sldNum" sz="quarter" idx="12"/>
+          </p:nvPr>
+        </p:nvSpPr>
+        <p:spPr/>
+        <p:txBody>
+          <a:bodyPr/>
+          <a:lstStyle/>
+          <a:p>
+            <a:fld id="{E22489EA-33AC-4388-9B0E-25F5048F95CD}" type="slidenum">
+              <a:rPr lang="en-US" smtClean="0"/>
+              <a:t>3</a:t>
+            </a:fld>
+            <a:endParaRPr lang="en-US"/>
+          </a:p>
+        </p:txBody>
+      </p:sp>
+    </p:spTree>
+    <p:extLst>
+      <p:ext uri="{BB962C8B-B14F-4D97-AF65-F5344CB8AC3E}">
+        <p14:creationId xmlns:p14="http://schemas.microsoft.com/office/powerpoint/2010/main" val="3675439357"/>
+      </p:ext>
+    </p:extLst>
+  </p:cSld>
+  <p:clrMapOvr>
+    <a:masterClrMapping/>
+  </p:clrMapOvr>
+</p:sld>
+</file>
+
+<file path=ppt/slides/slide4.xml><?xml version="1.0" encoding="utf-8"?>
+<p:sld xmlns:a="http://schemas.openxmlformats.org/drawingml/2006/main" xmlns:r="http://schemas.openxmlformats.org/officeDocument/2006/relationships" xmlns:p="http://schemas.openxmlformats.org/presentationml/2006/main">
+  <p:cSld>
+    <p:spTree>
+      <p:nvGrpSpPr>
+        <p:cNvPr id="1" name=""/>
+        <p:cNvGrpSpPr/>
+        <p:nvPr/>
+      </p:nvGrpSpPr>
+      <p:grpSpPr>
+        <a:xfrm>
+          <a:off x="0" y="0"/>
+          <a:ext cx="0" cy="0"/>
+          <a:chOff x="0" y="0"/>
+          <a:chExt cx="0" cy="0"/>
+        </a:xfrm>
+      </p:grpSpPr>
+      <p:sp>
+        <p:nvSpPr>
+          <p:cNvPr id="2" name="Title 1">
+            <a:extLst>
+              <a:ext uri="{FF2B5EF4-FFF2-40B4-BE49-F238E27FC236}">
+                <a16:creationId xmlns:a16="http://schemas.microsoft.com/office/drawing/2014/main" id="{B8E27B1E-392A-E18A-E957-B1EA372DCF62}"/>
+              </a:ext>
+            </a:extLst>
+          </p:cNvPr>
+          <p:cNvSpPr>
+            <a:spLocks noGrp="1"/>
+          </p:cNvSpPr>
+          <p:nvPr>
+            <p:ph type="title"/>
+          </p:nvPr>
+        </p:nvSpPr>
+        <p:spPr/>
+        <p:txBody>
+          <a:bodyPr/>
+          <a:lstStyle/>
+          <a:p>
+            <a:r>
+              <a:rPr lang="en-US" dirty="0"/>
+              <a:t>Competency Analysis</a:t>
+            </a:r>
+          </a:p>
+        </p:txBody>
+      </p:sp>
+      <p:sp>
+        <p:nvSpPr>
+          <p:cNvPr id="3" name="Content Placeholder 2">
+            <a:extLst>
+              <a:ext uri="{FF2B5EF4-FFF2-40B4-BE49-F238E27FC236}">
+                <a16:creationId xmlns:a16="http://schemas.microsoft.com/office/drawing/2014/main" id="{786CC90A-CDF6-B6DC-AE25-8ABD43A2C123}"/>
+              </a:ext>
+            </a:extLst>
+          </p:cNvPr>
+          <p:cNvSpPr>
+            <a:spLocks noGrp="1"/>
+          </p:cNvSpPr>
+          <p:nvPr>
+            <p:ph idx="1"/>
+          </p:nvPr>
+        </p:nvSpPr>
+        <p:spPr>
+          <a:xfrm>
+            <a:off x="838200" y="1825625"/>
+            <a:ext cx="4498298" cy="1891936"/>
+          </a:xfrm>
+        </p:spPr>
+        <p:txBody>
+          <a:bodyPr>
+            <a:normAutofit/>
+          </a:bodyPr>
+          <a:lstStyle/>
+          <a:p>
+            <a:r>
+              <a:rPr lang="en-US" sz="1600" dirty="0"/>
+              <a:t>Compared R5 vs R1/R2 scores</a:t>
+            </a:r>
+          </a:p>
+          <a:p>
+            <a:r>
+              <a:rPr lang="en-US" sz="1600" dirty="0"/>
+              <a:t>Largest gaps in:</a:t>
+            </a:r>
+          </a:p>
+          <a:p>
+            <a:pPr marL="914400" lvl="1" indent="-457200">
+              <a:buFont typeface="+mj-lt"/>
+              <a:buAutoNum type="arabicPeriod"/>
+            </a:pPr>
+            <a:r>
+              <a:rPr lang="en-US" sz="1600" dirty="0"/>
+              <a:t>Value Creation for Users</a:t>
+            </a:r>
+          </a:p>
+          <a:p>
+            <a:pPr marL="914400" lvl="1" indent="-457200">
+              <a:buFont typeface="+mj-lt"/>
+              <a:buAutoNum type="arabicPeriod"/>
+            </a:pPr>
+            <a:r>
+              <a:rPr lang="en-US" sz="1600" dirty="0"/>
+              <a:t>Insight &amp; Decision Sharpness</a:t>
+            </a:r>
+          </a:p>
+          <a:p>
+            <a:r>
+              <a:rPr lang="en-US" sz="1600" dirty="0"/>
+              <a:t>These define execution excellence</a:t>
+            </a:r>
+          </a:p>
+        </p:txBody>
+      </p:sp>
+      <p:pic>
+        <p:nvPicPr>
+          <p:cNvPr id="6" name="Picture 5">
+            <a:extLst>
+              <a:ext uri="{FF2B5EF4-FFF2-40B4-BE49-F238E27FC236}">
+                <a16:creationId xmlns:a16="http://schemas.microsoft.com/office/drawing/2014/main" id="{977D121B-AF2F-99BF-CCDD-F46F80ECF611}"/>
+              </a:ext>
+            </a:extLst>
+          </p:cNvPr>
+          <p:cNvPicPr>
+            <a:picLocks noChangeAspect="1"/>
+          </p:cNvPicPr>
+          <p:nvPr/>
+        </p:nvPicPr>
+        <p:blipFill>
+          <a:blip r:embed="rId2">
+            <a:extLst>
+              <a:ext uri="{28A0092B-C50C-407E-A947-70E740481C1C}">
+                <a14:useLocalDpi xmlns:a14="http://schemas.microsoft.com/office/drawing/2010/main" val="0"/>
+              </a:ext>
+            </a:extLst>
+          </a:blip>
+          <a:srcRect l="35297"/>
+          <a:stretch>
+            <a:fillRect/>
+          </a:stretch>
+        </p:blipFill>
+        <p:spPr>
+          <a:xfrm>
+            <a:off x="1552419" y="4019317"/>
+            <a:ext cx="7888574" cy="2628821"/>
+          </a:xfrm>
+          <a:prstGeom prst="rect">
+            <a:avLst/>
+          </a:prstGeom>
+        </p:spPr>
+      </p:pic>
+      <p:pic>
+        <p:nvPicPr>
+          <p:cNvPr id="7" name="Picture 6">
+            <a:extLst>
+              <a:ext uri="{FF2B5EF4-FFF2-40B4-BE49-F238E27FC236}">
+                <a16:creationId xmlns:a16="http://schemas.microsoft.com/office/drawing/2014/main" id="{DCA7714D-2623-A19A-4133-01C30720E357}"/>
+              </a:ext>
+            </a:extLst>
+          </p:cNvPr>
+          <p:cNvPicPr>
+            <a:picLocks noChangeAspect="1"/>
+          </p:cNvPicPr>
+          <p:nvPr/>
+        </p:nvPicPr>
+        <p:blipFill>
+          <a:blip r:embed="rId2">
+            <a:extLst>
+              <a:ext uri="{28A0092B-C50C-407E-A947-70E740481C1C}">
+                <a14:useLocalDpi xmlns:a14="http://schemas.microsoft.com/office/drawing/2010/main" val="0"/>
+              </a:ext>
+            </a:extLst>
+          </a:blip>
+          <a:srcRect r="64354" b="16664"/>
+          <a:stretch>
+            <a:fillRect/>
+          </a:stretch>
+        </p:blipFill>
+        <p:spPr>
+          <a:xfrm>
+            <a:off x="6230912" y="1512169"/>
+            <a:ext cx="4996721" cy="2518847"/>
+          </a:xfrm>
+          <a:prstGeom prst="rect">
+            <a:avLst/>
+          </a:prstGeom>
+        </p:spPr>
+      </p:pic>
+      <p:sp>
+        <p:nvSpPr>
+          <p:cNvPr id="8" name="Rectangle 7">
+            <a:extLst>
+              <a:ext uri="{FF2B5EF4-FFF2-40B4-BE49-F238E27FC236}">
+                <a16:creationId xmlns:a16="http://schemas.microsoft.com/office/drawing/2014/main" id="{DCEA9620-9EDB-4B54-A3D5-AD1B1E0BCA0E}"/>
+              </a:ext>
+            </a:extLst>
+          </p:cNvPr>
+          <p:cNvSpPr/>
+          <p:nvPr/>
+        </p:nvSpPr>
+        <p:spPr>
+          <a:xfrm>
+            <a:off x="6230912" y="1690688"/>
+            <a:ext cx="4307173" cy="467896"/>
+          </a:xfrm>
+          <a:prstGeom prst="rect">
+            <a:avLst/>
+          </a:prstGeom>
+          <a:noFill/>
+          <a:ln>
+            <a:solidFill>
+              <a:srgbClr val="FF0000"/>
+            </a:solidFill>
+          </a:ln>
+        </p:spPr>
+        <p:style>
+          <a:lnRef idx="2">
+            <a:schemeClr val="accent1">
+              <a:shade val="15000"/>
+            </a:schemeClr>
+          </a:lnRef>
+          <a:fillRef idx="1">
+            <a:schemeClr val="accent1"/>
+          </a:fillRef>
+          <a:effectRef idx="0">
+            <a:schemeClr val="accent1"/>
+          </a:effectRef>
+          <a:fontRef idx="minor">
+            <a:schemeClr val="lt1"/>
+          </a:fontRef>
+        </p:style>
+        <p:txBody>
+          <a:bodyPr rtlCol="0" anchor="ctr"/>
+          <a:lstStyle/>
+          <a:p>
+            <a:pPr algn="ctr"/>
+            <a:endParaRPr lang="en-US"/>
+          </a:p>
+        </p:txBody>
+      </p:sp>
+      <p:sp>
+        <p:nvSpPr>
+          <p:cNvPr id="9" name="Slide Number Placeholder 8">
+            <a:extLst>
+              <a:ext uri="{FF2B5EF4-FFF2-40B4-BE49-F238E27FC236}">
+                <a16:creationId xmlns:a16="http://schemas.microsoft.com/office/drawing/2014/main" id="{7EF8BF5A-2828-0657-B04E-0ADE327F2621}"/>
+              </a:ext>
+            </a:extLst>
+          </p:cNvPr>
+          <p:cNvSpPr>
+            <a:spLocks noGrp="1"/>
+          </p:cNvSpPr>
+          <p:nvPr>
+            <p:ph type="sldNum" sz="quarter" idx="12"/>
+          </p:nvPr>
+        </p:nvSpPr>
+        <p:spPr/>
+        <p:txBody>
+          <a:bodyPr/>
+          <a:lstStyle/>
+          <a:p>
+            <a:fld id="{E22489EA-33AC-4388-9B0E-25F5048F95CD}" type="slidenum">
+              <a:rPr lang="en-US" smtClean="0"/>
+              <a:t>4</a:t>
+            </a:fld>
+            <a:endParaRPr lang="en-US"/>
+          </a:p>
+        </p:txBody>
+      </p:sp>
+    </p:spTree>
+    <p:extLst>
+      <p:ext uri="{BB962C8B-B14F-4D97-AF65-F5344CB8AC3E}">
+        <p14:creationId xmlns:p14="http://schemas.microsoft.com/office/powerpoint/2010/main" val="2670241847"/>
+      </p:ext>
+    </p:extLst>
+  </p:cSld>
+  <p:clrMapOvr>
+    <a:masterClrMapping/>
+  </p:clrMapOvr>
+</p:sld>
+</file>
+
+<file path=ppt/slides/slide5.xml><?xml version="1.0" encoding="utf-8"?>
+<p:sld xmlns:a="http://schemas.openxmlformats.org/drawingml/2006/main" xmlns:r="http://schemas.openxmlformats.org/officeDocument/2006/relationships" xmlns:p="http://schemas.openxmlformats.org/presentationml/2006/main">
+  <p:cSld>
+    <p:spTree>
+      <p:nvGrpSpPr>
+        <p:cNvPr id="1" name=""/>
+        <p:cNvGrpSpPr/>
+        <p:nvPr/>
+      </p:nvGrpSpPr>
+      <p:grpSpPr>
+        <a:xfrm>
+          <a:off x="0" y="0"/>
+          <a:ext cx="0" cy="0"/>
+          <a:chOff x="0" y="0"/>
+          <a:chExt cx="0" cy="0"/>
+        </a:xfrm>
+      </p:grpSpPr>
+      <p:sp>
+        <p:nvSpPr>
+          <p:cNvPr id="2" name="Title 1">
+            <a:extLst>
+              <a:ext uri="{FF2B5EF4-FFF2-40B4-BE49-F238E27FC236}">
+                <a16:creationId xmlns:a16="http://schemas.microsoft.com/office/drawing/2014/main" id="{0BD0E814-731B-595E-0980-CFDAADEC0D9C}"/>
+              </a:ext>
+            </a:extLst>
+          </p:cNvPr>
+          <p:cNvSpPr>
+            <a:spLocks noGrp="1"/>
+          </p:cNvSpPr>
+          <p:nvPr>
+            <p:ph type="title"/>
+          </p:nvPr>
+        </p:nvSpPr>
+        <p:spPr/>
+        <p:txBody>
+          <a:bodyPr/>
+          <a:lstStyle/>
+          <a:p>
+            <a:r>
+              <a:rPr lang="en-US" dirty="0"/>
+              <a:t>Psychometric Analysis</a:t>
+            </a:r>
+          </a:p>
+        </p:txBody>
+      </p:sp>
+      <p:sp>
+        <p:nvSpPr>
+          <p:cNvPr id="3" name="Content Placeholder 2">
+            <a:extLst>
+              <a:ext uri="{FF2B5EF4-FFF2-40B4-BE49-F238E27FC236}">
+                <a16:creationId xmlns:a16="http://schemas.microsoft.com/office/drawing/2014/main" id="{C14563CF-8CB9-9E5C-447F-6F926582A86D}"/>
+              </a:ext>
+            </a:extLst>
+          </p:cNvPr>
+          <p:cNvSpPr>
+            <a:spLocks noGrp="1"/>
+          </p:cNvSpPr>
+          <p:nvPr>
+            <p:ph idx="1"/>
+          </p:nvPr>
+        </p:nvSpPr>
+        <p:spPr>
+          <a:xfrm>
+            <a:off x="500106" y="1511027"/>
+            <a:ext cx="9783146" cy="2761170"/>
+          </a:xfrm>
+        </p:spPr>
+        <p:txBody>
+          <a:bodyPr>
+            <a:normAutofit/>
+          </a:bodyPr>
+          <a:lstStyle/>
+          <a:p>
+            <a:r>
+              <a:rPr lang="en-US" sz="1600" dirty="0"/>
+              <a:t>Cognitive Power (GTQ) is the strongest predictor of high performance.</a:t>
+            </a:r>
+          </a:p>
+          <a:p>
+            <a:r>
+              <a:rPr lang="en-US" sz="1600" dirty="0"/>
+              <a:t>MBTI: ISTP and DISC: CI profiles consistently appear in top performers.</a:t>
+            </a:r>
+          </a:p>
+          <a:p>
+            <a:r>
+              <a:rPr lang="en-US" sz="1600" dirty="0"/>
+              <a:t>Traits like ENTJ and ESTJ are less likely to achieve Rating 5.</a:t>
+            </a:r>
+          </a:p>
+          <a:p>
+            <a:r>
+              <a:rPr lang="en-US" sz="1600" dirty="0"/>
+              <a:t>Common traits like agreeableness or extraversion show no independent impact.</a:t>
+            </a:r>
+          </a:p>
+        </p:txBody>
+      </p:sp>
+      <p:pic>
+        <p:nvPicPr>
+          <p:cNvPr id="5" name="Picture 4">
+            <a:extLst>
+              <a:ext uri="{FF2B5EF4-FFF2-40B4-BE49-F238E27FC236}">
+                <a16:creationId xmlns:a16="http://schemas.microsoft.com/office/drawing/2014/main" id="{4526FDBA-03CA-66F2-3FFC-8B91AEB309E5}"/>
+              </a:ext>
+            </a:extLst>
+          </p:cNvPr>
+          <p:cNvPicPr>
+            <a:picLocks noChangeAspect="1"/>
+          </p:cNvPicPr>
+          <p:nvPr/>
+        </p:nvPicPr>
+        <p:blipFill>
+          <a:blip r:embed="rId2"/>
+          <a:stretch>
+            <a:fillRect/>
+          </a:stretch>
+        </p:blipFill>
+        <p:spPr>
+          <a:xfrm>
+            <a:off x="500106" y="3301532"/>
+            <a:ext cx="5397555" cy="2642844"/>
+          </a:xfrm>
+          <a:prstGeom prst="rect">
+            <a:avLst/>
+          </a:prstGeom>
+        </p:spPr>
+      </p:pic>
+      <p:pic>
+        <p:nvPicPr>
+          <p:cNvPr id="11" name="Picture 10">
+            <a:extLst>
+              <a:ext uri="{FF2B5EF4-FFF2-40B4-BE49-F238E27FC236}">
+                <a16:creationId xmlns:a16="http://schemas.microsoft.com/office/drawing/2014/main" id="{F8AD6E35-5137-628C-475E-B2E62B37B791}"/>
+              </a:ext>
+            </a:extLst>
+          </p:cNvPr>
+          <p:cNvPicPr>
+            <a:picLocks noChangeAspect="1"/>
+          </p:cNvPicPr>
+          <p:nvPr/>
+        </p:nvPicPr>
+        <p:blipFill>
+          <a:blip r:embed="rId3">
+            <a:extLst>
+              <a:ext uri="{28A0092B-C50C-407E-A947-70E740481C1C}">
+                <a14:useLocalDpi xmlns:a14="http://schemas.microsoft.com/office/drawing/2010/main" val="0"/>
+              </a:ext>
+            </a:extLst>
+          </a:blip>
+          <a:stretch>
+            <a:fillRect/>
+          </a:stretch>
+        </p:blipFill>
+        <p:spPr>
+          <a:xfrm>
+            <a:off x="6294341" y="3023249"/>
+            <a:ext cx="5133316" cy="3199410"/>
+          </a:xfrm>
+          <a:prstGeom prst="rect">
+            <a:avLst/>
+          </a:prstGeom>
+        </p:spPr>
+      </p:pic>
+      <p:sp>
+        <p:nvSpPr>
+          <p:cNvPr id="14" name="Rectangle 13">
+            <a:extLst>
+              <a:ext uri="{FF2B5EF4-FFF2-40B4-BE49-F238E27FC236}">
+                <a16:creationId xmlns:a16="http://schemas.microsoft.com/office/drawing/2014/main" id="{735A134B-057B-0D27-7D02-83049D5F9C37}"/>
+              </a:ext>
+            </a:extLst>
+          </p:cNvPr>
+          <p:cNvSpPr/>
+          <p:nvPr/>
+        </p:nvSpPr>
+        <p:spPr>
+          <a:xfrm>
+            <a:off x="369758" y="3771120"/>
+            <a:ext cx="5726242" cy="261234"/>
+          </a:xfrm>
+          <a:prstGeom prst="rect">
+            <a:avLst/>
+          </a:prstGeom>
+          <a:noFill/>
+          <a:ln>
+            <a:solidFill>
+              <a:srgbClr val="FF0000"/>
+            </a:solidFill>
+          </a:ln>
+        </p:spPr>
+        <p:style>
+          <a:lnRef idx="2">
+            <a:schemeClr val="accent1">
+              <a:shade val="15000"/>
+            </a:schemeClr>
+          </a:lnRef>
+          <a:fillRef idx="1">
+            <a:schemeClr val="accent1"/>
+          </a:fillRef>
+          <a:effectRef idx="0">
+            <a:schemeClr val="accent1"/>
+          </a:effectRef>
+          <a:fontRef idx="minor">
+            <a:schemeClr val="lt1"/>
+          </a:fontRef>
+        </p:style>
+        <p:txBody>
+          <a:bodyPr rtlCol="0" anchor="ctr"/>
+          <a:lstStyle/>
+          <a:p>
+            <a:pPr algn="ctr"/>
+            <a:endParaRPr lang="en-US"/>
+          </a:p>
+        </p:txBody>
+      </p:sp>
+      <p:sp>
+        <p:nvSpPr>
+          <p:cNvPr id="15" name="Rectangle 14">
+            <a:extLst>
+              <a:ext uri="{FF2B5EF4-FFF2-40B4-BE49-F238E27FC236}">
+                <a16:creationId xmlns:a16="http://schemas.microsoft.com/office/drawing/2014/main" id="{4AF755A0-80AA-886D-82F5-0FB51DDCAFE8}"/>
+              </a:ext>
+            </a:extLst>
+          </p:cNvPr>
+          <p:cNvSpPr/>
+          <p:nvPr/>
+        </p:nvSpPr>
+        <p:spPr>
+          <a:xfrm>
+            <a:off x="6192468" y="5474140"/>
+            <a:ext cx="3820962" cy="470235"/>
+          </a:xfrm>
+          <a:prstGeom prst="rect">
+            <a:avLst/>
+          </a:prstGeom>
+          <a:noFill/>
+          <a:ln>
+            <a:solidFill>
+              <a:srgbClr val="FF0000"/>
+            </a:solidFill>
+          </a:ln>
+        </p:spPr>
+        <p:style>
+          <a:lnRef idx="2">
+            <a:schemeClr val="accent1">
+              <a:shade val="15000"/>
+            </a:schemeClr>
+          </a:lnRef>
+          <a:fillRef idx="1">
+            <a:schemeClr val="accent1"/>
+          </a:fillRef>
+          <a:effectRef idx="0">
+            <a:schemeClr val="accent1"/>
+          </a:effectRef>
+          <a:fontRef idx="minor">
+            <a:schemeClr val="lt1"/>
+          </a:fontRef>
+        </p:style>
+        <p:txBody>
+          <a:bodyPr rtlCol="0" anchor="ctr"/>
+          <a:lstStyle/>
+          <a:p>
+            <a:pPr algn="ctr"/>
+            <a:endParaRPr lang="en-US"/>
+          </a:p>
+        </p:txBody>
+      </p:sp>
+      <p:sp>
+        <p:nvSpPr>
+          <p:cNvPr id="16" name="Slide Number Placeholder 15">
+            <a:extLst>
+              <a:ext uri="{FF2B5EF4-FFF2-40B4-BE49-F238E27FC236}">
+                <a16:creationId xmlns:a16="http://schemas.microsoft.com/office/drawing/2014/main" id="{AED472DB-4CDE-F989-9AA7-DC223C6BF892}"/>
+              </a:ext>
+            </a:extLst>
+          </p:cNvPr>
+          <p:cNvSpPr>
+            <a:spLocks noGrp="1"/>
+          </p:cNvSpPr>
+          <p:nvPr>
+            <p:ph type="sldNum" sz="quarter" idx="12"/>
+          </p:nvPr>
+        </p:nvSpPr>
+        <p:spPr/>
+        <p:txBody>
+          <a:bodyPr/>
+          <a:lstStyle/>
+          <a:p>
+            <a:fld id="{E22489EA-33AC-4388-9B0E-25F5048F95CD}" type="slidenum">
+              <a:rPr lang="en-US" smtClean="0"/>
+              <a:t>5</a:t>
+            </a:fld>
+            <a:endParaRPr lang="en-US"/>
+          </a:p>
+        </p:txBody>
+      </p:sp>
+    </p:spTree>
+    <p:extLst>
+      <p:ext uri="{BB962C8B-B14F-4D97-AF65-F5344CB8AC3E}">
+        <p14:creationId xmlns:p14="http://schemas.microsoft.com/office/powerpoint/2010/main" val="383832707"/>
+      </p:ext>
+    </p:extLst>
+  </p:cSld>
+  <p:clrMapOvr>
+    <a:masterClrMapping/>
+  </p:clrMapOvr>
+</p:sld>
+</file>
+
+<file path=ppt/slides/slide6.xml><?xml version="1.0" encoding="utf-8"?>
+<p:sld xmlns:a="http://schemas.openxmlformats.org/drawingml/2006/main" xmlns:r="http://schemas.openxmlformats.org/officeDocument/2006/relationships" xmlns:p="http://schemas.openxmlformats.org/presentationml/2006/main">
+  <p:cSld>
+    <p:spTree>
+      <p:nvGrpSpPr>
+        <p:cNvPr id="1" name=""/>
+        <p:cNvGrpSpPr/>
+        <p:nvPr/>
+      </p:nvGrpSpPr>
+      <p:grpSpPr>
+        <a:xfrm>
+          <a:off x="0" y="0"/>
+          <a:ext cx="0" cy="0"/>
+          <a:chOff x="0" y="0"/>
+          <a:chExt cx="0" cy="0"/>
+        </a:xfrm>
+      </p:grpSpPr>
+      <p:sp>
+        <p:nvSpPr>
+          <p:cNvPr id="2" name="Title 1">
+            <a:extLst>
+              <a:ext uri="{FF2B5EF4-FFF2-40B4-BE49-F238E27FC236}">
+                <a16:creationId xmlns:a16="http://schemas.microsoft.com/office/drawing/2014/main" id="{9C62BB9E-8498-55E9-6FC3-B0BF110F2852}"/>
+              </a:ext>
+            </a:extLst>
+          </p:cNvPr>
+          <p:cNvSpPr>
+            <a:spLocks noGrp="1"/>
+          </p:cNvSpPr>
+          <p:nvPr>
+            <p:ph type="title"/>
+          </p:nvPr>
+        </p:nvSpPr>
+        <p:spPr/>
+        <p:txBody>
+          <a:bodyPr/>
+          <a:lstStyle/>
+          <a:p>
+            <a:r>
+              <a:rPr lang="en-US" dirty="0"/>
+              <a:t>Behavioral Analysis</a:t>
+            </a:r>
+          </a:p>
+        </p:txBody>
+      </p:sp>
+      <p:sp>
+        <p:nvSpPr>
+          <p:cNvPr id="3" name="Content Placeholder 2">
+            <a:extLst>
+              <a:ext uri="{FF2B5EF4-FFF2-40B4-BE49-F238E27FC236}">
+                <a16:creationId xmlns:a16="http://schemas.microsoft.com/office/drawing/2014/main" id="{347503EF-D069-22E9-4358-CDF484BC2453}"/>
+              </a:ext>
+            </a:extLst>
+          </p:cNvPr>
+          <p:cNvSpPr>
+            <a:spLocks noGrp="1"/>
+          </p:cNvSpPr>
+          <p:nvPr>
+            <p:ph idx="1"/>
+          </p:nvPr>
+        </p:nvSpPr>
+        <p:spPr>
+          <a:xfrm>
+            <a:off x="838200" y="1825625"/>
+            <a:ext cx="6761813" cy="1816985"/>
+          </a:xfrm>
+        </p:spPr>
+        <p:txBody>
+          <a:bodyPr>
+            <a:normAutofit/>
+          </a:bodyPr>
+          <a:lstStyle/>
+          <a:p>
+            <a:r>
+              <a:rPr lang="en-US" sz="1600" dirty="0"/>
+              <a:t>Controlled for all other variables</a:t>
+            </a:r>
+          </a:p>
+          <a:p>
+            <a:r>
+              <a:rPr lang="en-US" sz="1600" dirty="0"/>
+              <a:t>Only Futuristic and Learner themes remained significant</a:t>
+            </a:r>
+          </a:p>
+          <a:p>
+            <a:r>
+              <a:rPr lang="en-US" sz="1600" dirty="0"/>
+              <a:t>These traits independently accelerate performance</a:t>
+            </a:r>
+          </a:p>
+        </p:txBody>
+      </p:sp>
+      <p:pic>
+        <p:nvPicPr>
+          <p:cNvPr id="5" name="Picture 4">
+            <a:extLst>
+              <a:ext uri="{FF2B5EF4-FFF2-40B4-BE49-F238E27FC236}">
+                <a16:creationId xmlns:a16="http://schemas.microsoft.com/office/drawing/2014/main" id="{6CA411A9-9317-8713-04D1-5360DB27BFE3}"/>
+              </a:ext>
+            </a:extLst>
+          </p:cNvPr>
+          <p:cNvPicPr>
+            <a:picLocks noChangeAspect="1"/>
+          </p:cNvPicPr>
+          <p:nvPr/>
+        </p:nvPicPr>
+        <p:blipFill>
+          <a:blip r:embed="rId2">
+            <a:extLst>
+              <a:ext uri="{28A0092B-C50C-407E-A947-70E740481C1C}">
+                <a14:useLocalDpi xmlns:a14="http://schemas.microsoft.com/office/drawing/2010/main" val="0"/>
+              </a:ext>
+            </a:extLst>
+          </a:blip>
+          <a:stretch>
+            <a:fillRect/>
+          </a:stretch>
+        </p:blipFill>
+        <p:spPr>
+          <a:xfrm>
+            <a:off x="1131288" y="3214844"/>
+            <a:ext cx="9682554" cy="3036055"/>
+          </a:xfrm>
+          <a:prstGeom prst="rect">
+            <a:avLst/>
+          </a:prstGeom>
+        </p:spPr>
+      </p:pic>
+      <p:sp>
+        <p:nvSpPr>
+          <p:cNvPr id="7" name="Slide Number Placeholder 6">
+            <a:extLst>
+              <a:ext uri="{FF2B5EF4-FFF2-40B4-BE49-F238E27FC236}">
+                <a16:creationId xmlns:a16="http://schemas.microsoft.com/office/drawing/2014/main" id="{9BC9BA24-40AC-2EF2-FC7A-4C94D99D52FA}"/>
+              </a:ext>
+            </a:extLst>
+          </p:cNvPr>
+          <p:cNvSpPr>
+            <a:spLocks noGrp="1"/>
+          </p:cNvSpPr>
+          <p:nvPr>
+            <p:ph type="sldNum" sz="quarter" idx="12"/>
+          </p:nvPr>
+        </p:nvSpPr>
+        <p:spPr/>
+        <p:txBody>
+          <a:bodyPr/>
+          <a:lstStyle/>
+          <a:p>
+            <a:fld id="{E22489EA-33AC-4388-9B0E-25F5048F95CD}" type="slidenum">
+              <a:rPr lang="en-US" smtClean="0"/>
+              <a:t>6</a:t>
+            </a:fld>
+            <a:endParaRPr lang="en-US"/>
+          </a:p>
+        </p:txBody>
+      </p:sp>
+    </p:spTree>
+    <p:extLst>
+      <p:ext uri="{BB962C8B-B14F-4D97-AF65-F5344CB8AC3E}">
+        <p14:creationId xmlns:p14="http://schemas.microsoft.com/office/powerpoint/2010/main" val="2191505288"/>
+      </p:ext>
+    </p:extLst>
+  </p:cSld>
+  <p:clrMapOvr>
+    <a:masterClrMapping/>
+  </p:clrMapOvr>
+</p:sld>
+</file>
+
+<file path=ppt/slides/slide7.xml><?xml version="1.0" encoding="utf-8"?>
+<p:sld xmlns:a="http://schemas.openxmlformats.org/drawingml/2006/main" xmlns:r="http://schemas.openxmlformats.org/officeDocument/2006/relationships" xmlns:p="http://schemas.openxmlformats.org/presentationml/2006/main">
+  <p:cSld>
+    <p:spTree>
+      <p:nvGrpSpPr>
+        <p:cNvPr id="1" name=""/>
+        <p:cNvGrpSpPr/>
+        <p:nvPr/>
+      </p:nvGrpSpPr>
+      <p:grpSpPr>
+        <a:xfrm>
+          <a:off x="0" y="0"/>
+          <a:ext cx="0" cy="0"/>
+          <a:chOff x="0" y="0"/>
+          <a:chExt cx="0" cy="0"/>
+        </a:xfrm>
+      </p:grpSpPr>
+      <p:sp>
+        <p:nvSpPr>
+          <p:cNvPr id="2" name="Title 1">
+            <a:extLst>
+              <a:ext uri="{FF2B5EF4-FFF2-40B4-BE49-F238E27FC236}">
+                <a16:creationId xmlns:a16="http://schemas.microsoft.com/office/drawing/2014/main" id="{7221C49E-0F8F-618C-CF23-78DD67EC2CCB}"/>
+              </a:ext>
+            </a:extLst>
+          </p:cNvPr>
+          <p:cNvSpPr>
+            <a:spLocks noGrp="1"/>
+          </p:cNvSpPr>
+          <p:nvPr>
+            <p:ph type="title"/>
+          </p:nvPr>
+        </p:nvSpPr>
+        <p:spPr/>
+        <p:txBody>
+          <a:bodyPr/>
+          <a:lstStyle/>
+          <a:p>
+            <a:r>
+              <a:rPr lang="en-US" dirty="0"/>
+              <a:t>Contextual Factor Analysis</a:t>
+            </a:r>
+          </a:p>
+        </p:txBody>
+      </p:sp>
+      <p:sp>
+        <p:nvSpPr>
+          <p:cNvPr id="3" name="Content Placeholder 2">
+            <a:extLst>
+              <a:ext uri="{FF2B5EF4-FFF2-40B4-BE49-F238E27FC236}">
+                <a16:creationId xmlns:a16="http://schemas.microsoft.com/office/drawing/2014/main" id="{28F51F34-B315-9D00-AD01-EE17EA47D150}"/>
+              </a:ext>
+            </a:extLst>
+          </p:cNvPr>
+          <p:cNvSpPr>
+            <a:spLocks noGrp="1"/>
+          </p:cNvSpPr>
+          <p:nvPr>
+            <p:ph idx="1"/>
+          </p:nvPr>
+        </p:nvSpPr>
+        <p:spPr>
+          <a:xfrm>
+            <a:off x="838200" y="1825625"/>
+            <a:ext cx="5727492" cy="1603375"/>
+          </a:xfrm>
+        </p:spPr>
+        <p:txBody>
+          <a:bodyPr>
+            <a:normAutofit/>
+          </a:bodyPr>
+          <a:lstStyle/>
+          <a:p>
+            <a:r>
+              <a:rPr lang="en-US" sz="1600" dirty="0"/>
+              <a:t>Tested tenure, grade, and education</a:t>
+            </a:r>
+          </a:p>
+          <a:p>
+            <a:r>
+              <a:rPr lang="en-US" sz="1600" dirty="0"/>
+              <a:t>Only Education Level (S2, SMA) showed predictive value</a:t>
+            </a:r>
+          </a:p>
+          <a:p>
+            <a:r>
+              <a:rPr lang="en-US" sz="1600" dirty="0"/>
+              <a:t>Tenure and grade were statistically irrelevant</a:t>
+            </a:r>
+          </a:p>
+        </p:txBody>
+      </p:sp>
+      <p:pic>
+        <p:nvPicPr>
+          <p:cNvPr id="5" name="Picture 4">
+            <a:extLst>
+              <a:ext uri="{FF2B5EF4-FFF2-40B4-BE49-F238E27FC236}">
+                <a16:creationId xmlns:a16="http://schemas.microsoft.com/office/drawing/2014/main" id="{48978D23-090C-47E4-6B88-91ABC664E82B}"/>
+              </a:ext>
+            </a:extLst>
+          </p:cNvPr>
+          <p:cNvPicPr>
+            <a:picLocks noChangeAspect="1"/>
+          </p:cNvPicPr>
+          <p:nvPr/>
+        </p:nvPicPr>
+        <p:blipFill>
+          <a:blip r:embed="rId2">
+            <a:extLst>
+              <a:ext uri="{28A0092B-C50C-407E-A947-70E740481C1C}">
+                <a14:useLocalDpi xmlns:a14="http://schemas.microsoft.com/office/drawing/2010/main" val="0"/>
+              </a:ext>
+            </a:extLst>
+          </a:blip>
+          <a:stretch>
+            <a:fillRect/>
+          </a:stretch>
+        </p:blipFill>
+        <p:spPr>
+          <a:xfrm>
+            <a:off x="1101282" y="3294089"/>
+            <a:ext cx="10252518" cy="2057400"/>
+          </a:xfrm>
+          <a:prstGeom prst="rect">
+            <a:avLst/>
+          </a:prstGeom>
+        </p:spPr>
+      </p:pic>
+      <p:sp>
+        <p:nvSpPr>
+          <p:cNvPr id="6" name="Slide Number Placeholder 5">
+            <a:extLst>
+              <a:ext uri="{FF2B5EF4-FFF2-40B4-BE49-F238E27FC236}">
+                <a16:creationId xmlns:a16="http://schemas.microsoft.com/office/drawing/2014/main" id="{0921436C-4E9F-DE2D-5105-693A793D8073}"/>
+              </a:ext>
+            </a:extLst>
+          </p:cNvPr>
+          <p:cNvSpPr>
+            <a:spLocks noGrp="1"/>
+          </p:cNvSpPr>
+          <p:nvPr>
+            <p:ph type="sldNum" sz="quarter" idx="12"/>
+          </p:nvPr>
+        </p:nvSpPr>
+        <p:spPr/>
+        <p:txBody>
+          <a:bodyPr/>
+          <a:lstStyle/>
+          <a:p>
+            <a:fld id="{E22489EA-33AC-4388-9B0E-25F5048F95CD}" type="slidenum">
+              <a:rPr lang="en-US" smtClean="0"/>
+              <a:t>7</a:t>
+            </a:fld>
+            <a:endParaRPr lang="en-US"/>
+          </a:p>
+        </p:txBody>
+      </p:sp>
+    </p:spTree>
+    <p:extLst>
+      <p:ext uri="{BB962C8B-B14F-4D97-AF65-F5344CB8AC3E}">
+        <p14:creationId xmlns:p14="http://schemas.microsoft.com/office/powerpoint/2010/main" val="2347279858"/>
+      </p:ext>
+    </p:extLst>
+  </p:cSld>
+  <p:clrMapOvr>
+    <a:masterClrMapping/>
+  </p:clrMapOvr>
+</p:sld>
+</file>
+
+<file path=ppt/slides/slide8.xml><?xml version="1.0" encoding="utf-8"?>
+<p:sld xmlns:a="http://schemas.openxmlformats.org/drawingml/2006/main" xmlns:r="http://schemas.openxmlformats.org/officeDocument/2006/relationships" xmlns:p="http://schemas.openxmlformats.org/presentationml/2006/main">
+  <p:cSld>
+    <p:spTree>
+      <p:nvGrpSpPr>
+        <p:cNvPr id="1" name=""/>
+        <p:cNvGrpSpPr/>
+        <p:nvPr/>
+      </p:nvGrpSpPr>
+      <p:grpSpPr>
+        <a:xfrm>
+          <a:off x="0" y="0"/>
+          <a:ext cx="0" cy="0"/>
+          <a:chOff x="0" y="0"/>
+          <a:chExt cx="0" cy="0"/>
+        </a:xfrm>
+      </p:grpSpPr>
+      <p:sp>
+        <p:nvSpPr>
+          <p:cNvPr id="2" name="Title 1">
+            <a:extLst>
+              <a:ext uri="{FF2B5EF4-FFF2-40B4-BE49-F238E27FC236}">
+                <a16:creationId xmlns:a16="http://schemas.microsoft.com/office/drawing/2014/main" id="{2830B354-BAFA-2DB9-9F89-67A38A73637F}"/>
+              </a:ext>
+            </a:extLst>
+          </p:cNvPr>
+          <p:cNvSpPr>
+            <a:spLocks noGrp="1"/>
+          </p:cNvSpPr>
+          <p:nvPr>
+            <p:ph type="title"/>
+          </p:nvPr>
+        </p:nvSpPr>
+        <p:spPr/>
+        <p:txBody>
+          <a:bodyPr/>
+          <a:lstStyle/>
+          <a:p>
+            <a:r>
+              <a:rPr lang="en-US" dirty="0"/>
+              <a:t>Final Success Formula</a:t>
+            </a:r>
+          </a:p>
+        </p:txBody>
+      </p:sp>
+      <p:sp>
+        <p:nvSpPr>
+          <p:cNvPr id="3" name="Content Placeholder 2">
+            <a:extLst>
+              <a:ext uri="{FF2B5EF4-FFF2-40B4-BE49-F238E27FC236}">
+                <a16:creationId xmlns:a16="http://schemas.microsoft.com/office/drawing/2014/main" id="{6C612B42-8131-2CD7-8A42-4336E31FFFD7}"/>
+              </a:ext>
+            </a:extLst>
+          </p:cNvPr>
+          <p:cNvSpPr>
+            <a:spLocks noGrp="1"/>
+          </p:cNvSpPr>
+          <p:nvPr>
+            <p:ph idx="1"/>
+          </p:nvPr>
+        </p:nvSpPr>
+        <p:spPr>
+          <a:xfrm>
+            <a:off x="838200" y="1878077"/>
+            <a:ext cx="10515600" cy="497850"/>
+          </a:xfrm>
+          <a:prstGeom prst="roundRect">
+            <a:avLst/>
+          </a:prstGeom>
+          <a:solidFill>
+            <a:schemeClr val="bg2"/>
+          </a:solidFill>
+        </p:spPr>
+        <p:style>
+          <a:lnRef idx="2">
+            <a:schemeClr val="dk1"/>
+          </a:lnRef>
+          <a:fillRef idx="1">
+            <a:schemeClr val="lt1"/>
+          </a:fillRef>
+          <a:effectRef idx="0">
+            <a:schemeClr val="dk1"/>
+          </a:effectRef>
+          <a:fontRef idx="minor">
+            <a:schemeClr val="dk1"/>
+          </a:fontRef>
+        </p:style>
+        <p:txBody>
+          <a:bodyPr>
+            <a:normAutofit/>
+          </a:bodyPr>
+          <a:lstStyle/>
+          <a:p>
+            <a:pPr marL="0" indent="0" algn="ctr">
+              <a:buNone/>
+            </a:pPr>
+            <a:r>
+              <a:rPr lang="en-US" sz="2000" dirty="0"/>
+              <a:t>Rating 5 Potential = 75% Behavioral Mindset + 15% Execution Competency + 10% Structural Filter</a:t>
+            </a:r>
+          </a:p>
+        </p:txBody>
+      </p:sp>
+      <p:sp>
+        <p:nvSpPr>
+          <p:cNvPr id="6" name="Content Placeholder 2">
+            <a:extLst>
+              <a:ext uri="{FF2B5EF4-FFF2-40B4-BE49-F238E27FC236}">
+                <a16:creationId xmlns:a16="http://schemas.microsoft.com/office/drawing/2014/main" id="{01C2611F-8E70-8B89-691C-C2DA72CA9092}"/>
+              </a:ext>
+            </a:extLst>
+          </p:cNvPr>
+          <p:cNvSpPr txBox="1">
+            <a:spLocks/>
+          </p:cNvSpPr>
+          <p:nvPr/>
+        </p:nvSpPr>
+        <p:spPr>
+          <a:xfrm>
+            <a:off x="838200" y="2563317"/>
+            <a:ext cx="10764187" cy="2993711"/>
+          </a:xfrm>
+          <a:prstGeom prst="rect">
+            <a:avLst/>
+          </a:prstGeom>
+        </p:spPr>
+        <p:txBody>
+          <a:bodyPr vert="horz" lIns="91440" tIns="45720" rIns="91440" bIns="45720" rtlCol="0">
+            <a:noAutofit/>
+          </a:bodyPr>
+          <a:lstStyle>
+            <a:lvl1pPr marL="228600" indent="-228600" algn="l" defTabSz="914400" rtl="0" eaLnBrk="1" latinLnBrk="0" hangingPunct="1">
+              <a:lnSpc>
+                <a:spcPct val="90000"/>
+              </a:lnSpc>
+              <a:spcBef>
+                <a:spcPts val="1000"/>
+              </a:spcBef>
+              <a:buFont typeface="Arial" panose="020B0604020202020204" pitchFamily="34" charset="0"/>
+              <a:buChar char="•"/>
+              <a:defRPr sz="2800" kern="1200">
+                <a:solidFill>
+                  <a:schemeClr val="tx1"/>
+                </a:solidFill>
+                <a:latin typeface="+mn-lt"/>
+                <a:ea typeface="+mn-ea"/>
+                <a:cs typeface="+mn-cs"/>
+              </a:defRPr>
+            </a:lvl1pPr>
+            <a:lvl2pPr marL="685800" indent="-228600" algn="l" defTabSz="914400" rtl="0" eaLnBrk="1" latinLnBrk="0" hangingPunct="1">
+              <a:lnSpc>
+                <a:spcPct val="90000"/>
+              </a:lnSpc>
+              <a:spcBef>
+                <a:spcPts val="500"/>
+              </a:spcBef>
+              <a:buFont typeface="Arial" panose="020B0604020202020204" pitchFamily="34" charset="0"/>
+              <a:buChar char="•"/>
+              <a:defRPr sz="2400" kern="1200">
+                <a:solidFill>
+                  <a:schemeClr val="tx1"/>
+                </a:solidFill>
+                <a:latin typeface="+mn-lt"/>
+                <a:ea typeface="+mn-ea"/>
+                <a:cs typeface="+mn-cs"/>
+              </a:defRPr>
+            </a:lvl2pPr>
+            <a:lvl3pPr marL="1143000" indent="-228600" algn="l" defTabSz="914400" rtl="0" eaLnBrk="1" latinLnBrk="0" hangingPunct="1">
+              <a:lnSpc>
+                <a:spcPct val="90000"/>
+              </a:lnSpc>
+              <a:spcBef>
+                <a:spcPts val="500"/>
+              </a:spcBef>
+              <a:buFont typeface="Arial" panose="020B0604020202020204" pitchFamily="34" charset="0"/>
+              <a:buChar char="•"/>
+              <a:defRPr sz="2000" kern="1200">
+                <a:solidFill>
+                  <a:schemeClr val="tx1"/>
+                </a:solidFill>
+                <a:latin typeface="+mn-lt"/>
+                <a:ea typeface="+mn-ea"/>
+                <a:cs typeface="+mn-cs"/>
+              </a:defRPr>
+            </a:lvl3pPr>
+            <a:lvl4pPr marL="1600200" indent="-228600" algn="l" defTabSz="914400" rtl="0" eaLnBrk="1" latinLnBrk="0" hangingPunct="1">
+              <a:lnSpc>
+                <a:spcPct val="90000"/>
+              </a:lnSpc>
+              <a:spcBef>
+                <a:spcPts val="500"/>
+              </a:spcBef>
+              <a:buFont typeface="Arial" panose="020B0604020202020204" pitchFamily="34" charset="0"/>
+              <a:buChar char="•"/>
+              <a:defRPr sz="1800" kern="1200">
+                <a:solidFill>
+                  <a:schemeClr val="tx1"/>
+                </a:solidFill>
+                <a:latin typeface="+mn-lt"/>
+                <a:ea typeface="+mn-ea"/>
+                <a:cs typeface="+mn-cs"/>
+              </a:defRPr>
+            </a:lvl4pPr>
+            <a:lvl5pPr marL="2057400" indent="-228600" algn="l" defTabSz="914400" rtl="0" eaLnBrk="1" latinLnBrk="0" hangingPunct="1">
+              <a:lnSpc>
+                <a:spcPct val="90000"/>
+              </a:lnSpc>
+              <a:spcBef>
+                <a:spcPts val="500"/>
+              </a:spcBef>
+              <a:buFont typeface="Arial" panose="020B0604020202020204" pitchFamily="34" charset="0"/>
+              <a:buChar char="•"/>
+              <a:defRPr sz="1800" kern="1200">
+                <a:solidFill>
+                  <a:schemeClr val="tx1"/>
+                </a:solidFill>
+                <a:latin typeface="+mn-lt"/>
+                <a:ea typeface="+mn-ea"/>
+                <a:cs typeface="+mn-cs"/>
+              </a:defRPr>
+            </a:lvl5pPr>
+            <a:lvl6pPr marL="2514600" indent="-228600" algn="l" defTabSz="914400" rtl="0" eaLnBrk="1" latinLnBrk="0" hangingPunct="1">
+              <a:lnSpc>
+                <a:spcPct val="90000"/>
+              </a:lnSpc>
+              <a:spcBef>
+                <a:spcPts val="500"/>
+              </a:spcBef>
+              <a:buFont typeface="Arial" panose="020B0604020202020204" pitchFamily="34" charset="0"/>
+              <a:buChar char="•"/>
+              <a:defRPr sz="1800" kern="1200">
+                <a:solidFill>
+                  <a:schemeClr val="tx1"/>
+                </a:solidFill>
+                <a:latin typeface="+mn-lt"/>
+                <a:ea typeface="+mn-ea"/>
+                <a:cs typeface="+mn-cs"/>
+              </a:defRPr>
+            </a:lvl6pPr>
+            <a:lvl7pPr marL="2971800" indent="-228600" algn="l" defTabSz="914400" rtl="0" eaLnBrk="1" latinLnBrk="0" hangingPunct="1">
+              <a:lnSpc>
+                <a:spcPct val="90000"/>
+              </a:lnSpc>
+              <a:spcBef>
+                <a:spcPts val="500"/>
+              </a:spcBef>
+              <a:buFont typeface="Arial" panose="020B0604020202020204" pitchFamily="34" charset="0"/>
+              <a:buChar char="•"/>
+              <a:defRPr sz="1800" kern="1200">
+                <a:solidFill>
+                  <a:schemeClr val="tx1"/>
+                </a:solidFill>
+                <a:latin typeface="+mn-lt"/>
+                <a:ea typeface="+mn-ea"/>
+                <a:cs typeface="+mn-cs"/>
+              </a:defRPr>
+            </a:lvl7pPr>
+            <a:lvl8pPr marL="3429000" indent="-228600" algn="l" defTabSz="914400" rtl="0" eaLnBrk="1" latinLnBrk="0" hangingPunct="1">
+              <a:lnSpc>
+                <a:spcPct val="90000"/>
+              </a:lnSpc>
+              <a:spcBef>
+                <a:spcPts val="500"/>
+              </a:spcBef>
+              <a:buFont typeface="Arial" panose="020B0604020202020204" pitchFamily="34" charset="0"/>
+              <a:buChar char="•"/>
+              <a:defRPr sz="1800" kern="1200">
+                <a:solidFill>
+                  <a:schemeClr val="tx1"/>
+                </a:solidFill>
+                <a:latin typeface="+mn-lt"/>
+                <a:ea typeface="+mn-ea"/>
+                <a:cs typeface="+mn-cs"/>
+              </a:defRPr>
+            </a:lvl8pPr>
+            <a:lvl9pPr marL="3886200" indent="-228600" algn="l" defTabSz="914400" rtl="0" eaLnBrk="1" latinLnBrk="0" hangingPunct="1">
+              <a:lnSpc>
+                <a:spcPct val="90000"/>
+              </a:lnSpc>
+              <a:spcBef>
+                <a:spcPts val="500"/>
+              </a:spcBef>
+              <a:buFont typeface="Arial" panose="020B0604020202020204" pitchFamily="34" charset="0"/>
+              <a:buChar char="•"/>
+              <a:defRPr sz="1800" kern="1200">
+                <a:solidFill>
+                  <a:schemeClr val="tx1"/>
+                </a:solidFill>
+                <a:latin typeface="+mn-lt"/>
+                <a:ea typeface="+mn-ea"/>
+                <a:cs typeface="+mn-cs"/>
+              </a:defRPr>
+            </a:lvl9pPr>
+          </a:lstStyle>
+          <a:p>
+            <a:pPr marL="0" indent="0">
+              <a:lnSpc>
+                <a:spcPct val="150000"/>
+              </a:lnSpc>
+              <a:buNone/>
+            </a:pPr>
+            <a:r>
+              <a:rPr lang="en-US" sz="2000" dirty="0"/>
+              <a:t>Justification for Weights</a:t>
+            </a:r>
+          </a:p>
+          <a:p>
+            <a:pPr>
+              <a:lnSpc>
+                <a:spcPct val="150000"/>
+              </a:lnSpc>
+            </a:pPr>
+            <a:r>
+              <a:rPr lang="en-US" sz="2000" dirty="0"/>
+              <a:t>Behavioral Mindset (75%): Futuristic and Learner traits were the only statistically significant, non-redundant drivers of high performance.</a:t>
+            </a:r>
+          </a:p>
+          <a:p>
+            <a:pPr>
+              <a:lnSpc>
+                <a:spcPct val="150000"/>
+              </a:lnSpc>
+            </a:pPr>
+            <a:r>
+              <a:rPr lang="en-US" sz="2000" dirty="0"/>
+              <a:t>Execution Competency (15%): Value Creation and Decision Sharpness showed the largest performance gaps between R5 and others.</a:t>
+            </a:r>
+          </a:p>
+          <a:p>
+            <a:pPr>
+              <a:lnSpc>
+                <a:spcPct val="150000"/>
+              </a:lnSpc>
+            </a:pPr>
+            <a:r>
+              <a:rPr lang="en-US" sz="2000" dirty="0"/>
+              <a:t>Structural Filter (10%): Only Education Level (S2, SMA) had predictive power; Tenure and Grade were irrelevant.</a:t>
+            </a:r>
+          </a:p>
+        </p:txBody>
+      </p:sp>
+      <p:sp>
+        <p:nvSpPr>
+          <p:cNvPr id="8" name="Slide Number Placeholder 7">
+            <a:extLst>
+              <a:ext uri="{FF2B5EF4-FFF2-40B4-BE49-F238E27FC236}">
+                <a16:creationId xmlns:a16="http://schemas.microsoft.com/office/drawing/2014/main" id="{A36A149A-497E-3ADB-3CD0-563B756254D5}"/>
+              </a:ext>
+            </a:extLst>
+          </p:cNvPr>
+          <p:cNvSpPr>
+            <a:spLocks noGrp="1"/>
+          </p:cNvSpPr>
+          <p:nvPr>
+            <p:ph type="sldNum" sz="quarter" idx="12"/>
+          </p:nvPr>
+        </p:nvSpPr>
+        <p:spPr/>
+        <p:txBody>
+          <a:bodyPr/>
+          <a:lstStyle/>
+          <a:p>
+            <a:fld id="{E22489EA-33AC-4388-9B0E-25F5048F95CD}" type="slidenum">
+              <a:rPr lang="en-US" smtClean="0"/>
+              <a:t>8</a:t>
+            </a:fld>
+            <a:endParaRPr lang="en-US"/>
+          </a:p>
+        </p:txBody>
+      </p:sp>
+    </p:spTree>
+    <p:extLst>
+      <p:ext uri="{BB962C8B-B14F-4D97-AF65-F5344CB8AC3E}">
+        <p14:creationId xmlns:p14="http://schemas.microsoft.com/office/powerpoint/2010/main" val="3583663931"/>
+      </p:ext>
+    </p:extLst>
+  </p:cSld>
+  <p:clrMapOvr>
+    <a:masterClrMapping/>
+  </p:clrMapOvr>
+</p:sld>
+</file>
+
+<file path=ppt/slides/slide9.xml><?xml version="1.0" encoding="utf-8"?>
+<p:sld xmlns:a="http://schemas.openxmlformats.org/drawingml/2006/main" xmlns:r="http://schemas.openxmlformats.org/officeDocument/2006/relationships" xmlns:p="http://schemas.openxmlformats.org/presentationml/2006/main">
+  <p:cSld>
+    <p:spTree>
+      <p:nvGrpSpPr>
+        <p:cNvPr id="1" name=""/>
+        <p:cNvGrpSpPr/>
+        <p:nvPr/>
+      </p:nvGrpSpPr>
+      <p:grpSpPr>
+        <a:xfrm>
+          <a:off x="0" y="0"/>
+          <a:ext cx="0" cy="0"/>
+          <a:chOff x="0" y="0"/>
+          <a:chExt cx="0" cy="0"/>
+        </a:xfrm>
+      </p:grpSpPr>
+      <p:sp>
+        <p:nvSpPr>
+          <p:cNvPr id="2" name="Title 1">
+            <a:extLst>
+              <a:ext uri="{FF2B5EF4-FFF2-40B4-BE49-F238E27FC236}">
+                <a16:creationId xmlns:a16="http://schemas.microsoft.com/office/drawing/2014/main" id="{221A7A0C-3F13-A326-4B93-C617E4175B57}"/>
+              </a:ext>
+            </a:extLst>
+          </p:cNvPr>
+          <p:cNvSpPr>
+            <a:spLocks noGrp="1"/>
+          </p:cNvSpPr>
+          <p:nvPr>
+            <p:ph type="title"/>
+          </p:nvPr>
+        </p:nvSpPr>
+        <p:spPr/>
+        <p:txBody>
+          <a:bodyPr/>
+          <a:lstStyle/>
+          <a:p>
+            <a:r>
+              <a:rPr lang="en-US" dirty="0"/>
+              <a:t>Strategic Takeaways</a:t>
+            </a:r>
+          </a:p>
+        </p:txBody>
+      </p:sp>
+      <p:sp>
+        <p:nvSpPr>
+          <p:cNvPr id="3" name="Content Placeholder 2">
+            <a:extLst>
+              <a:ext uri="{FF2B5EF4-FFF2-40B4-BE49-F238E27FC236}">
+                <a16:creationId xmlns:a16="http://schemas.microsoft.com/office/drawing/2014/main" id="{3BABC0BA-518E-6B58-E291-D2AB734EEFF9}"/>
+              </a:ext>
+            </a:extLst>
+          </p:cNvPr>
+          <p:cNvSpPr>
+            <a:spLocks noGrp="1"/>
+          </p:cNvSpPr>
+          <p:nvPr>
+            <p:ph idx="1"/>
+          </p:nvPr>
+        </p:nvSpPr>
+        <p:spPr/>
+        <p:txBody>
+          <a:bodyPr>
+            <a:normAutofit/>
+          </a:bodyPr>
+          <a:lstStyle/>
+          <a:p>
+            <a:pPr>
+              <a:lnSpc>
+                <a:spcPct val="100000"/>
+              </a:lnSpc>
+            </a:pPr>
+            <a:r>
+              <a:rPr lang="en-US" sz="2000" dirty="0"/>
+              <a:t>Mindset is non-negotiable </a:t>
+            </a:r>
+          </a:p>
+          <a:p>
+            <a:pPr marL="269875" lvl="1" indent="0">
+              <a:lnSpc>
+                <a:spcPct val="100000"/>
+              </a:lnSpc>
+              <a:buNone/>
+            </a:pPr>
+            <a:r>
+              <a:rPr lang="en-US" sz="2000" dirty="0"/>
+              <a:t>Futuristic and Learner traits must be prioritized in hiring, development, and succession planning.</a:t>
+            </a:r>
+          </a:p>
+          <a:p>
+            <a:pPr>
+              <a:lnSpc>
+                <a:spcPct val="100000"/>
+              </a:lnSpc>
+            </a:pPr>
+            <a:r>
+              <a:rPr lang="en-US" sz="2000" dirty="0"/>
+              <a:t>Execution converts mindset into impact </a:t>
+            </a:r>
+          </a:p>
+          <a:p>
+            <a:pPr marL="269875" lvl="1" indent="0">
+              <a:lnSpc>
+                <a:spcPct val="100000"/>
+              </a:lnSpc>
+              <a:buNone/>
+            </a:pPr>
+            <a:r>
+              <a:rPr lang="en-US" sz="2000" dirty="0"/>
+              <a:t>Top performers deliver value through sharp decisions and user-focused outcomes.</a:t>
+            </a:r>
+          </a:p>
+          <a:p>
+            <a:pPr>
+              <a:lnSpc>
+                <a:spcPct val="100000"/>
+              </a:lnSpc>
+            </a:pPr>
+            <a:r>
+              <a:rPr lang="en-US" sz="2000" dirty="0"/>
+              <a:t>Tenure and grade are outdated filters </a:t>
+            </a:r>
+          </a:p>
+          <a:p>
+            <a:pPr marL="269875" lvl="1" indent="0">
+              <a:lnSpc>
+                <a:spcPct val="100000"/>
+              </a:lnSpc>
+              <a:buNone/>
+            </a:pPr>
+            <a:r>
+              <a:rPr lang="en-US" sz="2000" dirty="0"/>
+              <a:t>Only education level showed predictive value. Focus on high-potential talent pools.</a:t>
+            </a:r>
+          </a:p>
+          <a:p>
+            <a:pPr>
+              <a:lnSpc>
+                <a:spcPct val="100000"/>
+              </a:lnSpc>
+            </a:pPr>
+            <a:r>
+              <a:rPr lang="en-US" sz="2000" dirty="0"/>
+              <a:t>Psychometric traits offer behavioral signals </a:t>
+            </a:r>
+          </a:p>
+          <a:p>
+            <a:pPr marL="269875" lvl="1" indent="0">
+              <a:lnSpc>
+                <a:spcPct val="100000"/>
+              </a:lnSpc>
+              <a:buNone/>
+            </a:pPr>
+            <a:r>
+              <a:rPr lang="en-US" sz="2000" dirty="0"/>
+              <a:t>ISTP and CI profiles outperform traditional dominant types like ENTJ and ESTJ.</a:t>
+            </a:r>
+          </a:p>
+          <a:p>
+            <a:pPr>
+              <a:lnSpc>
+                <a:spcPct val="100000"/>
+              </a:lnSpc>
+            </a:pPr>
+            <a:r>
+              <a:rPr lang="en-US" sz="2000" dirty="0"/>
+              <a:t>Use the formula to benchmark and develop talent </a:t>
+            </a:r>
+          </a:p>
+          <a:p>
+            <a:pPr marL="269875" lvl="1" indent="0">
+              <a:lnSpc>
+                <a:spcPct val="100000"/>
+              </a:lnSpc>
+              <a:buNone/>
+            </a:pPr>
+            <a:r>
+              <a:rPr lang="en-US" sz="2000" dirty="0"/>
+              <a:t>Apply it to identify hidden potential, guide promotions, and build high-performing teams.</a:t>
+            </a:r>
+          </a:p>
+        </p:txBody>
+      </p:sp>
+      <p:sp>
+        <p:nvSpPr>
+          <p:cNvPr id="4" name="Slide Number Placeholder 3">
+            <a:extLst>
+              <a:ext uri="{FF2B5EF4-FFF2-40B4-BE49-F238E27FC236}">
+                <a16:creationId xmlns:a16="http://schemas.microsoft.com/office/drawing/2014/main" id="{29585B1E-A6A2-9CD5-3D8C-5CB7FCCEF1CF}"/>
+              </a:ext>
+            </a:extLst>
+          </p:cNvPr>
+          <p:cNvSpPr>
+            <a:spLocks noGrp="1"/>
+          </p:cNvSpPr>
+          <p:nvPr>
+            <p:ph type="sldNum" sz="quarter" idx="12"/>
+          </p:nvPr>
+        </p:nvSpPr>
+        <p:spPr/>
+        <p:txBody>
+          <a:bodyPr/>
+          <a:lstStyle/>
+          <a:p>
+            <a:fld id="{E22489EA-33AC-4388-9B0E-25F5048F95CD}" type="slidenum">
+              <a:rPr lang="en-US" smtClean="0"/>
+              <a:t>9</a:t>
+            </a:fld>
+            <a:endParaRPr lang="en-US"/>
+          </a:p>
+        </p:txBody>
+      </p:sp>
+    </p:spTree>
+    <p:extLst>
+      <p:ext uri="{BB962C8B-B14F-4D97-AF65-F5344CB8AC3E}">
+        <p14:creationId xmlns:p14="http://schemas.microsoft.com/office/powerpoint/2010/main" val="2324321331"/>
       </p:ext>
     </p:extLst>
   </p:cSld>
@@ -3677,4 +5916,299 @@
     </a:ext>
   </a:extLst>
 </a:theme>
+</file>
+
+<file path=ppt/theme/theme2.xml><?xml version="1.0" encoding="utf-8"?>
+<a:theme xmlns:a="http://schemas.openxmlformats.org/drawingml/2006/main" name="Office Theme">
+  <a:themeElements>
+    <a:clrScheme name="Office">
+      <a:dk1>
+        <a:sysClr val="windowText" lastClr="000000"/>
+      </a:dk1>
+      <a:lt1>
+        <a:sysClr val="window" lastClr="FFFFFF"/>
+      </a:lt1>
+      <a:dk2>
+        <a:srgbClr val="44546A"/>
+      </a:dk2>
+      <a:lt2>
+        <a:srgbClr val="E7E6E6"/>
+      </a:lt2>
+      <a:accent1>
+        <a:srgbClr val="4472C4"/>
+      </a:accent1>
+      <a:accent2>
+        <a:srgbClr val="ED7D31"/>
+      </a:accent2>
+      <a:accent3>
+        <a:srgbClr val="A5A5A5"/>
+      </a:accent3>
+      <a:accent4>
+        <a:srgbClr val="FFC000"/>
+      </a:accent4>
+      <a:accent5>
+        <a:srgbClr val="5B9BD5"/>
+      </a:accent5>
+      <a:accent6>
+        <a:srgbClr val="70AD47"/>
+      </a:accent6>
+      <a:hlink>
+        <a:srgbClr val="0563C1"/>
+      </a:hlink>
+      <a:folHlink>
+        <a:srgbClr val="954F72"/>
+      </a:folHlink>
+    </a:clrScheme>
+    <a:fontScheme name="Office">
+      <a:majorFont>
+        <a:latin typeface="Calibri Light" panose="020F0302020204030204"/>
+        <a:ea typeface=""/>
+        <a:cs typeface=""/>
+        <a:font script="Jpan" typeface="游ゴシック Light"/>
+        <a:font script="Hang" typeface="맑은 고딕"/>
+        <a:font script="Hans" typeface="等线 Light"/>
+        <a:font script="Hant" typeface="新細明體"/>
+        <a:font script="Arab" typeface="Times New Roman"/>
+        <a:font script="Hebr" typeface="Times New Roman"/>
+        <a:font script="Thai" typeface="Angsana New"/>
+        <a:font script="Ethi" typeface="Nyala"/>
+        <a:font script="Beng" typeface="Vrinda"/>
+        <a:font script="Gujr" typeface="Shruti"/>
+        <a:font script="Khmr" typeface="MoolBoran"/>
+        <a:font script="Knda" typeface="Tunga"/>
+        <a:font script="Guru" typeface="Raavi"/>
+        <a:font script="Cans" typeface="Euphemia"/>
+        <a:font script="Cher" typeface="Plantagenet Cherokee"/>
+        <a:font script="Yiii" typeface="Microsoft Yi Baiti"/>
+        <a:font script="Tibt" typeface="Microsoft Himalaya"/>
+        <a:font script="Thaa" typeface="MV Boli"/>
+        <a:font script="Deva" typeface="Mangal"/>
+        <a:font script="Telu" typeface="Gautami"/>
+        <a:font script="Taml" typeface="Latha"/>
+        <a:font script="Syrc" typeface="Estrangelo Edessa"/>
+        <a:font script="Orya" typeface="Kalinga"/>
+        <a:font script="Mlym" typeface="Kartika"/>
+        <a:font script="Laoo" typeface="DokChampa"/>
+        <a:font script="Sinh" typeface="Iskoola Pota"/>
+        <a:font script="Mong" typeface="Mongolian Baiti"/>
+        <a:font script="Viet" typeface="Times New Roman"/>
+        <a:font script="Uigh" typeface="Microsoft Uighur"/>
+        <a:font script="Geor" typeface="Sylfaen"/>
+        <a:font script="Armn" typeface="Arial"/>
+        <a:font script="Bugi" typeface="Leelawadee UI"/>
+        <a:font script="Bopo" typeface="Microsoft JhengHei"/>
+        <a:font script="Java" typeface="Javanese Text"/>
+        <a:font script="Lisu" typeface="Segoe UI"/>
+        <a:font script="Mymr" typeface="Myanmar Text"/>
+        <a:font script="Nkoo" typeface="Ebrima"/>
+        <a:font script="Olck" typeface="Nirmala UI"/>
+        <a:font script="Osma" typeface="Ebrima"/>
+        <a:font script="Phag" typeface="Phagspa"/>
+        <a:font script="Syrn" typeface="Estrangelo Edessa"/>
+        <a:font script="Syrj" typeface="Estrangelo Edessa"/>
+        <a:font script="Syre" typeface="Estrangelo Edessa"/>
+        <a:font script="Sora" typeface="Nirmala UI"/>
+        <a:font script="Tale" typeface="Microsoft Tai Le"/>
+        <a:font script="Talu" typeface="Microsoft New Tai Lue"/>
+        <a:font script="Tfng" typeface="Ebrima"/>
+      </a:majorFont>
+      <a:minorFont>
+        <a:latin typeface="Calibri" panose="020F0502020204030204"/>
+        <a:ea typeface=""/>
+        <a:cs typeface=""/>
+        <a:font script="Jpan" typeface="游ゴシック"/>
+        <a:font script="Hang" typeface="맑은 고딕"/>
+        <a:font script="Hans" typeface="等线"/>
+        <a:font script="Hant" typeface="新細明體"/>
+        <a:font script="Arab" typeface="Arial"/>
+        <a:font script="Hebr" typeface="Arial"/>
+        <a:font script="Thai" typeface="Cordia New"/>
+        <a:font script="Ethi" typeface="Nyala"/>
+        <a:font script="Beng" typeface="Vrinda"/>
+        <a:font script="Gujr" typeface="Shruti"/>
+        <a:font script="Khmr" typeface="DaunPenh"/>
+        <a:font script="Knda" typeface="Tunga"/>
+        <a:font script="Guru" typeface="Raavi"/>
+        <a:font script="Cans" typeface="Euphemia"/>
+        <a:font script="Cher" typeface="Plantagenet Cherokee"/>
+        <a:font script="Yiii" typeface="Microsoft Yi Baiti"/>
+        <a:font script="Tibt" typeface="Microsoft Himalaya"/>
+        <a:font script="Thaa" typeface="MV Boli"/>
+        <a:font script="Deva" typeface="Mangal"/>
+        <a:font script="Telu" typeface="Gautami"/>
+        <a:font script="Taml" typeface="Latha"/>
+        <a:font script="Syrc" typeface="Estrangelo Edessa"/>
+        <a:font script="Orya" typeface="Kalinga"/>
+        <a:font script="Mlym" typeface="Kartika"/>
+        <a:font script="Laoo" typeface="DokChampa"/>
+        <a:font script="Sinh" typeface="Iskoola Pota"/>
+        <a:font script="Mong" typeface="Mongolian Baiti"/>
+        <a:font script="Viet" typeface="Arial"/>
+        <a:font script="Uigh" typeface="Microsoft Uighur"/>
+        <a:font script="Geor" typeface="Sylfaen"/>
+        <a:font script="Armn" typeface="Arial"/>
+        <a:font script="Bugi" typeface="Leelawadee UI"/>
+        <a:font script="Bopo" typeface="Microsoft JhengHei"/>
+        <a:font script="Java" typeface="Javanese Text"/>
+        <a:font script="Lisu" typeface="Segoe UI"/>
+        <a:font script="Mymr" typeface="Myanmar Text"/>
+        <a:font script="Nkoo" typeface="Ebrima"/>
+        <a:font script="Olck" typeface="Nirmala UI"/>
+        <a:font script="Osma" typeface="Ebrima"/>
+        <a:font script="Phag" typeface="Phagspa"/>
+        <a:font script="Syrn" typeface="Estrangelo Edessa"/>
+        <a:font script="Syrj" typeface="Estrangelo Edessa"/>
+        <a:font script="Syre" typeface="Estrangelo Edessa"/>
+        <a:font script="Sora" typeface="Nirmala UI"/>
+        <a:font script="Tale" typeface="Microsoft Tai Le"/>
+        <a:font script="Talu" typeface="Microsoft New Tai Lue"/>
+        <a:font script="Tfng" typeface="Ebrima"/>
+      </a:minorFont>
+    </a:fontScheme>
+    <a:fmtScheme name="Office">
+      <a:fillStyleLst>
+        <a:solidFill>
+          <a:schemeClr val="phClr"/>
+        </a:solidFill>
+        <a:gradFill rotWithShape="1">
+          <a:gsLst>
+            <a:gs pos="0">
+              <a:schemeClr val="phClr">
+                <a:lumMod val="110000"/>
+                <a:satMod val="105000"/>
+                <a:tint val="67000"/>
+              </a:schemeClr>
+            </a:gs>
+            <a:gs pos="50000">
+              <a:schemeClr val="phClr">
+                <a:lumMod val="105000"/>
+                <a:satMod val="103000"/>
+                <a:tint val="73000"/>
+              </a:schemeClr>
+            </a:gs>
+            <a:gs pos="100000">
+              <a:schemeClr val="phClr">
+                <a:lumMod val="105000"/>
+                <a:satMod val="109000"/>
+                <a:tint val="81000"/>
+              </a:schemeClr>
+            </a:gs>
+          </a:gsLst>
+          <a:lin ang="5400000" scaled="0"/>
+        </a:gradFill>
+        <a:gradFill rotWithShape="1">
+          <a:gsLst>
+            <a:gs pos="0">
+              <a:schemeClr val="phClr">
+                <a:satMod val="103000"/>
+                <a:lumMod val="102000"/>
+                <a:tint val="94000"/>
+              </a:schemeClr>
+            </a:gs>
+            <a:gs pos="50000">
+              <a:schemeClr val="phClr">
+                <a:satMod val="110000"/>
+                <a:lumMod val="100000"/>
+                <a:shade val="100000"/>
+              </a:schemeClr>
+            </a:gs>
+            <a:gs pos="100000">
+              <a:schemeClr val="phClr">
+                <a:lumMod val="99000"/>
+                <a:satMod val="120000"/>
+                <a:shade val="78000"/>
+              </a:schemeClr>
+            </a:gs>
+          </a:gsLst>
+          <a:lin ang="5400000" scaled="0"/>
+        </a:gradFill>
+      </a:fillStyleLst>
+      <a:lnStyleLst>
+        <a:ln w="6350" cap="flat" cmpd="sng" algn="ctr">
+          <a:solidFill>
+            <a:schemeClr val="phClr"/>
+          </a:solidFill>
+          <a:prstDash val="solid"/>
+          <a:miter lim="800000"/>
+        </a:ln>
+        <a:ln w="12700" cap="flat" cmpd="sng" algn="ctr">
+          <a:solidFill>
+            <a:schemeClr val="phClr"/>
+          </a:solidFill>
+          <a:prstDash val="solid"/>
+          <a:miter lim="800000"/>
+        </a:ln>
+        <a:ln w="19050" cap="flat" cmpd="sng" algn="ctr">
+          <a:solidFill>
+            <a:schemeClr val="phClr"/>
+          </a:solidFill>
+          <a:prstDash val="solid"/>
+          <a:miter lim="800000"/>
+        </a:ln>
+      </a:lnStyleLst>
+      <a:effectStyleLst>
+        <a:effectStyle>
+          <a:effectLst/>
+        </a:effectStyle>
+        <a:effectStyle>
+          <a:effectLst/>
+        </a:effectStyle>
+        <a:effectStyle>
+          <a:effectLst>
+            <a:outerShdw blurRad="57150" dist="19050" dir="5400000" algn="ctr" rotWithShape="0">
+              <a:srgbClr val="000000">
+                <a:alpha val="63000"/>
+              </a:srgbClr>
+            </a:outerShdw>
+          </a:effectLst>
+        </a:effectStyle>
+      </a:effectStyleLst>
+      <a:bgFillStyleLst>
+        <a:solidFill>
+          <a:schemeClr val="phClr"/>
+        </a:solidFill>
+        <a:solidFill>
+          <a:schemeClr val="phClr">
+            <a:tint val="95000"/>
+            <a:satMod val="170000"/>
+          </a:schemeClr>
+        </a:solidFill>
+        <a:gradFill rotWithShape="1">
+          <a:gsLst>
+            <a:gs pos="0">
+              <a:schemeClr val="phClr">
+                <a:tint val="93000"/>
+                <a:satMod val="150000"/>
+                <a:shade val="98000"/>
+                <a:lumMod val="102000"/>
+              </a:schemeClr>
+            </a:gs>
+            <a:gs pos="50000">
+              <a:schemeClr val="phClr">
+                <a:tint val="98000"/>
+                <a:satMod val="130000"/>
+                <a:shade val="90000"/>
+                <a:lumMod val="103000"/>
+              </a:schemeClr>
+            </a:gs>
+            <a:gs pos="100000">
+              <a:schemeClr val="phClr">
+                <a:shade val="63000"/>
+                <a:satMod val="120000"/>
+              </a:schemeClr>
+            </a:gs>
+          </a:gsLst>
+          <a:lin ang="5400000" scaled="0"/>
+        </a:gradFill>
+      </a:bgFillStyleLst>
+    </a:fmtScheme>
+  </a:themeElements>
+  <a:objectDefaults/>
+  <a:extraClrSchemeLst/>
+  <a:extLst>
+    <a:ext uri="{05A4C25C-085E-4340-85A3-A5531E510DB2}">
+      <thm15:themeFamily xmlns:thm15="http://schemas.microsoft.com/office/thememl/2012/main" name="Office Theme" id="{62F939B6-93AF-4DB8-9C6B-D6C7DFDC589F}" vid="{4A3C46E8-61CC-4603-A589-7422A47A8E4A}"/>
+    </a:ext>
+  </a:extLst>
+</a:theme>
 </file>